--- a/doc/Idea.pptx
+++ b/doc/Idea.pptx
@@ -5,7 +5,7 @@
     <p:sldMasterId id="2147483648" r:id="rId1"/>
   </p:sldMasterIdLst>
   <p:notesMasterIdLst>
-    <p:notesMasterId r:id="rId11"/>
+    <p:notesMasterId r:id="rId13"/>
   </p:notesMasterIdLst>
   <p:sldIdLst>
     <p:sldId id="256" r:id="rId2"/>
@@ -17,6 +17,8 @@
     <p:sldId id="262" r:id="rId8"/>
     <p:sldId id="263" r:id="rId9"/>
     <p:sldId id="264" r:id="rId10"/>
+    <p:sldId id="265" r:id="rId11"/>
+    <p:sldId id="266" r:id="rId12"/>
   </p:sldIdLst>
   <p:sldSz cx="12192000" cy="6858000"/>
   <p:notesSz cx="6858000" cy="9144000"/>
@@ -115,6 +117,11 @@
       </a:defRPr>
     </a:lvl9pPr>
   </p:defaultTextStyle>
+  <p:extLst>
+    <p:ext uri="{EFAFB233-063F-42B5-8137-9DF3F51BA10A}">
+      <p15:sldGuideLst xmlns:p15="http://schemas.microsoft.com/office/powerpoint/2012/main"/>
+    </p:ext>
+  </p:extLst>
 </p:presentation>
 </file>
 
@@ -1081,6 +1088,13 @@
         </dgm:presLayoutVars>
       </dgm:prSet>
       <dgm:spPr/>
+      <dgm:t>
+        <a:bodyPr/>
+        <a:lstStyle/>
+        <a:p>
+          <a:endParaRPr lang="zh-CN" altLang="en-US"/>
+        </a:p>
+      </dgm:t>
     </dgm:pt>
     <dgm:pt modelId="{6BAD1531-8C16-4601-ABBC-9EC6A0F816C5}" type="pres">
       <dgm:prSet presAssocID="{75CD8664-E991-472A-A2AB-CA0C7524133E}" presName="singleCycle" presStyleCnt="0"/>
@@ -1105,6 +1119,13 @@
     <dgm:pt modelId="{4B248A00-B72B-4A24-832B-C5025D959B15}" type="pres">
       <dgm:prSet presAssocID="{B19C80DF-B954-4245-BA67-DA38554630A7}" presName="Name56" presStyleLbl="parChTrans1D2" presStyleIdx="0" presStyleCnt="3"/>
       <dgm:spPr/>
+      <dgm:t>
+        <a:bodyPr/>
+        <a:lstStyle/>
+        <a:p>
+          <a:endParaRPr lang="zh-CN" altLang="en-US"/>
+        </a:p>
+      </dgm:t>
     </dgm:pt>
     <dgm:pt modelId="{22604D01-947C-4107-A63F-1D6D62730560}" type="pres">
       <dgm:prSet presAssocID="{4B05449D-BAB2-4C3E-B4EF-C0F2CE5E7D1E}" presName="text0" presStyleLbl="node1" presStyleIdx="1" presStyleCnt="4">
@@ -1113,10 +1134,24 @@
         </dgm:presLayoutVars>
       </dgm:prSet>
       <dgm:spPr/>
+      <dgm:t>
+        <a:bodyPr/>
+        <a:lstStyle/>
+        <a:p>
+          <a:endParaRPr lang="zh-CN" altLang="en-US"/>
+        </a:p>
+      </dgm:t>
     </dgm:pt>
     <dgm:pt modelId="{E9006229-1F31-4208-A64D-88DC2B4BCBF4}" type="pres">
       <dgm:prSet presAssocID="{3621DE1D-B914-485F-8B9B-6DD7EE663F63}" presName="Name56" presStyleLbl="parChTrans1D2" presStyleIdx="1" presStyleCnt="3"/>
       <dgm:spPr/>
+      <dgm:t>
+        <a:bodyPr/>
+        <a:lstStyle/>
+        <a:p>
+          <a:endParaRPr lang="zh-CN" altLang="en-US"/>
+        </a:p>
+      </dgm:t>
     </dgm:pt>
     <dgm:pt modelId="{5D8FACE9-8468-4CCB-AC16-6B136D82C403}" type="pres">
       <dgm:prSet presAssocID="{D4C8B601-0013-4BB5-8C6D-6770D0EC7621}" presName="text0" presStyleLbl="node1" presStyleIdx="2" presStyleCnt="4">
@@ -1125,10 +1160,24 @@
         </dgm:presLayoutVars>
       </dgm:prSet>
       <dgm:spPr/>
+      <dgm:t>
+        <a:bodyPr/>
+        <a:lstStyle/>
+        <a:p>
+          <a:endParaRPr lang="zh-CN" altLang="en-US"/>
+        </a:p>
+      </dgm:t>
     </dgm:pt>
     <dgm:pt modelId="{A3EBB954-EF0C-4B23-8E3B-B64FDFAE73D5}" type="pres">
       <dgm:prSet presAssocID="{3C077223-674C-48CE-B81E-0FF312431AC8}" presName="Name56" presStyleLbl="parChTrans1D2" presStyleIdx="2" presStyleCnt="3"/>
       <dgm:spPr/>
+      <dgm:t>
+        <a:bodyPr/>
+        <a:lstStyle/>
+        <a:p>
+          <a:endParaRPr lang="zh-CN" altLang="en-US"/>
+        </a:p>
+      </dgm:t>
     </dgm:pt>
     <dgm:pt modelId="{1481B822-898C-487A-8469-B74F624569B6}" type="pres">
       <dgm:prSet presAssocID="{FEF6668D-FCCF-4193-9BA8-76272CFF5AC8}" presName="text0" presStyleLbl="node1" presStyleIdx="3" presStyleCnt="4">
@@ -1137,6 +1186,13 @@
         </dgm:presLayoutVars>
       </dgm:prSet>
       <dgm:spPr/>
+      <dgm:t>
+        <a:bodyPr/>
+        <a:lstStyle/>
+        <a:p>
+          <a:endParaRPr lang="zh-CN" altLang="en-US"/>
+        </a:p>
+      </dgm:t>
     </dgm:pt>
   </dgm:ptLst>
   <dgm:cxnLst>
@@ -5862,7 +5918,7 @@
           <a:p>
             <a:fld id="{69C0BAC2-EE56-4923-8DE4-10D21D000425}" type="datetimeFigureOut">
               <a:rPr lang="zh-CN" altLang="en-US" smtClean="0"/>
-              <a:t>2022/12/7</a:t>
+              <a:t>2022/12/8</a:t>
             </a:fld>
             <a:endParaRPr lang="zh-CN" altLang="en-US"/>
           </a:p>
@@ -6345,7 +6401,7 @@
           <a:p>
             <a:fld id="{70F1CFF3-7958-41A3-94F3-9398BAFCBC9A}" type="datetimeFigureOut">
               <a:rPr lang="zh-CN" altLang="en-US" smtClean="0"/>
-              <a:t>2022/12/7</a:t>
+              <a:t>2022/12/8</a:t>
             </a:fld>
             <a:endParaRPr lang="zh-CN" altLang="en-US"/>
           </a:p>
@@ -6515,7 +6571,7 @@
           <a:p>
             <a:fld id="{70F1CFF3-7958-41A3-94F3-9398BAFCBC9A}" type="datetimeFigureOut">
               <a:rPr lang="zh-CN" altLang="en-US" smtClean="0"/>
-              <a:t>2022/12/7</a:t>
+              <a:t>2022/12/8</a:t>
             </a:fld>
             <a:endParaRPr lang="zh-CN" altLang="en-US"/>
           </a:p>
@@ -6695,7 +6751,7 @@
           <a:p>
             <a:fld id="{70F1CFF3-7958-41A3-94F3-9398BAFCBC9A}" type="datetimeFigureOut">
               <a:rPr lang="zh-CN" altLang="en-US" smtClean="0"/>
-              <a:t>2022/12/7</a:t>
+              <a:t>2022/12/8</a:t>
             </a:fld>
             <a:endParaRPr lang="zh-CN" altLang="en-US"/>
           </a:p>
@@ -6865,7 +6921,7 @@
           <a:p>
             <a:fld id="{70F1CFF3-7958-41A3-94F3-9398BAFCBC9A}" type="datetimeFigureOut">
               <a:rPr lang="zh-CN" altLang="en-US" smtClean="0"/>
-              <a:t>2022/12/7</a:t>
+              <a:t>2022/12/8</a:t>
             </a:fld>
             <a:endParaRPr lang="zh-CN" altLang="en-US"/>
           </a:p>
@@ -7111,7 +7167,7 @@
           <a:p>
             <a:fld id="{70F1CFF3-7958-41A3-94F3-9398BAFCBC9A}" type="datetimeFigureOut">
               <a:rPr lang="zh-CN" altLang="en-US" smtClean="0"/>
-              <a:t>2022/12/7</a:t>
+              <a:t>2022/12/8</a:t>
             </a:fld>
             <a:endParaRPr lang="zh-CN" altLang="en-US"/>
           </a:p>
@@ -7343,7 +7399,7 @@
           <a:p>
             <a:fld id="{70F1CFF3-7958-41A3-94F3-9398BAFCBC9A}" type="datetimeFigureOut">
               <a:rPr lang="zh-CN" altLang="en-US" smtClean="0"/>
-              <a:t>2022/12/7</a:t>
+              <a:t>2022/12/8</a:t>
             </a:fld>
             <a:endParaRPr lang="zh-CN" altLang="en-US"/>
           </a:p>
@@ -7710,7 +7766,7 @@
           <a:p>
             <a:fld id="{70F1CFF3-7958-41A3-94F3-9398BAFCBC9A}" type="datetimeFigureOut">
               <a:rPr lang="zh-CN" altLang="en-US" smtClean="0"/>
-              <a:t>2022/12/7</a:t>
+              <a:t>2022/12/8</a:t>
             </a:fld>
             <a:endParaRPr lang="zh-CN" altLang="en-US"/>
           </a:p>
@@ -7828,7 +7884,7 @@
           <a:p>
             <a:fld id="{70F1CFF3-7958-41A3-94F3-9398BAFCBC9A}" type="datetimeFigureOut">
               <a:rPr lang="zh-CN" altLang="en-US" smtClean="0"/>
-              <a:t>2022/12/7</a:t>
+              <a:t>2022/12/8</a:t>
             </a:fld>
             <a:endParaRPr lang="zh-CN" altLang="en-US"/>
           </a:p>
@@ -7923,7 +7979,7 @@
           <a:p>
             <a:fld id="{70F1CFF3-7958-41A3-94F3-9398BAFCBC9A}" type="datetimeFigureOut">
               <a:rPr lang="zh-CN" altLang="en-US" smtClean="0"/>
-              <a:t>2022/12/7</a:t>
+              <a:t>2022/12/8</a:t>
             </a:fld>
             <a:endParaRPr lang="zh-CN" altLang="en-US"/>
           </a:p>
@@ -8200,7 +8256,7 @@
           <a:p>
             <a:fld id="{70F1CFF3-7958-41A3-94F3-9398BAFCBC9A}" type="datetimeFigureOut">
               <a:rPr lang="zh-CN" altLang="en-US" smtClean="0"/>
-              <a:t>2022/12/7</a:t>
+              <a:t>2022/12/8</a:t>
             </a:fld>
             <a:endParaRPr lang="zh-CN" altLang="en-US"/>
           </a:p>
@@ -8453,7 +8509,7 @@
           <a:p>
             <a:fld id="{70F1CFF3-7958-41A3-94F3-9398BAFCBC9A}" type="datetimeFigureOut">
               <a:rPr lang="zh-CN" altLang="en-US" smtClean="0"/>
-              <a:t>2022/12/7</a:t>
+              <a:t>2022/12/8</a:t>
             </a:fld>
             <a:endParaRPr lang="zh-CN" altLang="en-US"/>
           </a:p>
@@ -8666,7 +8722,7 @@
           <a:p>
             <a:fld id="{70F1CFF3-7958-41A3-94F3-9398BAFCBC9A}" type="datetimeFigureOut">
               <a:rPr lang="zh-CN" altLang="en-US" smtClean="0"/>
-              <a:t>2022/12/7</a:t>
+              <a:t>2022/12/8</a:t>
             </a:fld>
             <a:endParaRPr lang="zh-CN" altLang="en-US"/>
           </a:p>
@@ -9138,6 +9194,255 @@
 </p:sld>
 </file>
 
+<file path=ppt/slides/slide10.xml><?xml version="1.0" encoding="utf-8"?>
+<p:sld xmlns:a="http://schemas.openxmlformats.org/drawingml/2006/main" xmlns:r="http://schemas.openxmlformats.org/officeDocument/2006/relationships" xmlns:p="http://schemas.openxmlformats.org/presentationml/2006/main">
+  <p:cSld>
+    <p:spTree>
+      <p:nvGrpSpPr>
+        <p:cNvPr id="1" name=""/>
+        <p:cNvGrpSpPr/>
+        <p:nvPr/>
+      </p:nvGrpSpPr>
+      <p:grpSpPr>
+        <a:xfrm>
+          <a:off x="0" y="0"/>
+          <a:ext cx="0" cy="0"/>
+          <a:chOff x="0" y="0"/>
+          <a:chExt cx="0" cy="0"/>
+        </a:xfrm>
+      </p:grpSpPr>
+      <p:sp>
+        <p:nvSpPr>
+          <p:cNvPr id="2" name="标题 1"/>
+          <p:cNvSpPr>
+            <a:spLocks noGrp="1"/>
+          </p:cNvSpPr>
+          <p:nvPr>
+            <p:ph type="title"/>
+          </p:nvPr>
+        </p:nvSpPr>
+        <p:spPr/>
+        <p:txBody>
+          <a:bodyPr>
+            <a:normAutofit/>
+          </a:bodyPr>
+          <a:lstStyle/>
+          <a:p>
+            <a:r>
+              <a:rPr lang="en-US" altLang="zh-CN" sz="4000" dirty="0" err="1" smtClean="0"/>
+              <a:t>EngineHub</a:t>
+            </a:r>
+            <a:r>
+              <a:rPr lang="zh-CN" altLang="en-US" sz="4000" dirty="0" smtClean="0"/>
+              <a:t>：</a:t>
+            </a:r>
+            <a:r>
+              <a:rPr lang="en-US" altLang="zh-CN" sz="4000" dirty="0" err="1"/>
+              <a:t>NFT</a:t>
+            </a:r>
+            <a:r>
+              <a:rPr lang="zh-CN" altLang="en-US" sz="4000" dirty="0"/>
+              <a:t>项目跨链互联的解决</a:t>
+            </a:r>
+            <a:r>
+              <a:rPr lang="zh-CN" altLang="en-US" sz="4000" dirty="0" smtClean="0"/>
+              <a:t>方案</a:t>
+            </a:r>
+            <a:endParaRPr lang="zh-CN" altLang="en-US" sz="4000" dirty="0"/>
+          </a:p>
+        </p:txBody>
+      </p:sp>
+      <p:sp>
+        <p:nvSpPr>
+          <p:cNvPr id="3" name="内容占位符 2"/>
+          <p:cNvSpPr>
+            <a:spLocks noGrp="1"/>
+          </p:cNvSpPr>
+          <p:nvPr>
+            <p:ph idx="1"/>
+          </p:nvPr>
+        </p:nvSpPr>
+        <p:spPr/>
+        <p:txBody>
+          <a:bodyPr/>
+          <a:lstStyle/>
+          <a:p>
+            <a:pPr marL="457200" lvl="1" indent="0">
+              <a:buNone/>
+            </a:pPr>
+            <a:r>
+              <a:rPr lang="zh-CN" altLang="en-US" dirty="0" smtClean="0"/>
+              <a:t>针对</a:t>
+            </a:r>
+            <a:r>
+              <a:rPr lang="en-US" altLang="zh-CN" dirty="0" err="1" smtClean="0"/>
+              <a:t>NFT</a:t>
+            </a:r>
+            <a:r>
+              <a:rPr lang="zh-CN" altLang="en-US" dirty="0" smtClean="0"/>
+              <a:t>项目方和艺术家，实现同一个</a:t>
+            </a:r>
+            <a:r>
+              <a:rPr lang="en-US" altLang="zh-CN" dirty="0" err="1" smtClean="0"/>
+              <a:t>NFT</a:t>
+            </a:r>
+            <a:r>
+              <a:rPr lang="zh-CN" altLang="en-US" dirty="0" smtClean="0"/>
+              <a:t>项目的多链部署、</a:t>
+            </a:r>
+            <a:r>
+              <a:rPr lang="en-US" altLang="zh-CN" dirty="0" err="1" smtClean="0"/>
+              <a:t>NFT</a:t>
+            </a:r>
+            <a:r>
+              <a:rPr lang="zh-CN" altLang="en-US" dirty="0" smtClean="0"/>
+              <a:t>跨链转账、多链用户管理的后端</a:t>
+            </a:r>
+            <a:r>
+              <a:rPr lang="zh-CN" altLang="en-US" dirty="0"/>
+              <a:t>数据</a:t>
+            </a:r>
+            <a:r>
+              <a:rPr lang="zh-CN" altLang="en-US" dirty="0" smtClean="0"/>
+              <a:t>引擎。</a:t>
+            </a:r>
+            <a:endParaRPr lang="en-US" altLang="zh-CN" dirty="0" smtClean="0"/>
+          </a:p>
+          <a:p>
+            <a:pPr lvl="2"/>
+            <a:endParaRPr lang="en-US" altLang="zh-CN" dirty="0" smtClean="0"/>
+          </a:p>
+          <a:p>
+            <a:pPr lvl="2"/>
+            <a:r>
+              <a:rPr lang="zh-CN" altLang="en-US" dirty="0" smtClean="0"/>
+              <a:t>创作</a:t>
+            </a:r>
+            <a:r>
+              <a:rPr lang="zh-CN" altLang="en-US" dirty="0"/>
+              <a:t>者友好：为多链，跨链，用户管理提供一个轻量的低成本方案；</a:t>
+            </a:r>
+            <a:endParaRPr lang="en-US" altLang="zh-CN" dirty="0"/>
+          </a:p>
+          <a:p>
+            <a:pPr lvl="2"/>
+            <a:r>
+              <a:rPr lang="zh-CN" altLang="en-US" dirty="0" smtClean="0"/>
+              <a:t>价值认可：实现每一个</a:t>
+            </a:r>
+            <a:r>
+              <a:rPr lang="en-US" altLang="zh-CN" dirty="0" err="1" smtClean="0"/>
+              <a:t>NFT</a:t>
+            </a:r>
+            <a:r>
+              <a:rPr lang="zh-CN" altLang="en-US" dirty="0" smtClean="0"/>
+              <a:t>在所有链上都独一无二；</a:t>
+            </a:r>
+            <a:endParaRPr lang="en-US" altLang="zh-CN" dirty="0" smtClean="0"/>
+          </a:p>
+          <a:p>
+            <a:pPr lvl="2"/>
+            <a:r>
+              <a:rPr lang="zh-CN" altLang="en-US" dirty="0"/>
+              <a:t>用户</a:t>
+            </a:r>
+            <a:r>
+              <a:rPr lang="zh-CN" altLang="en-US" dirty="0" smtClean="0"/>
+              <a:t>增长：让用户能把低成本链上的资产等价的跨到高认可度的链上；</a:t>
+            </a:r>
+            <a:endParaRPr lang="en-US" altLang="zh-CN" dirty="0" smtClean="0"/>
+          </a:p>
+          <a:p>
+            <a:pPr lvl="2"/>
+            <a:r>
+              <a:rPr lang="zh-CN" altLang="en-US" dirty="0" smtClean="0"/>
+              <a:t>成本降低：以通用的服务来降低成本，用规模管理来提高安全性；</a:t>
+            </a:r>
+            <a:endParaRPr lang="zh-CN" altLang="en-US" dirty="0"/>
+          </a:p>
+        </p:txBody>
+      </p:sp>
+    </p:spTree>
+    <p:extLst>
+      <p:ext uri="{BB962C8B-B14F-4D97-AF65-F5344CB8AC3E}">
+        <p14:creationId xmlns:p14="http://schemas.microsoft.com/office/powerpoint/2010/main" val="3412299809"/>
+      </p:ext>
+    </p:extLst>
+  </p:cSld>
+  <p:clrMapOvr>
+    <a:masterClrMapping/>
+  </p:clrMapOvr>
+</p:sld>
+</file>
+
+<file path=ppt/slides/slide11.xml><?xml version="1.0" encoding="utf-8"?>
+<p:sld xmlns:a="http://schemas.openxmlformats.org/drawingml/2006/main" xmlns:r="http://schemas.openxmlformats.org/officeDocument/2006/relationships" xmlns:p="http://schemas.openxmlformats.org/presentationml/2006/main">
+  <p:cSld>
+    <p:spTree>
+      <p:nvGrpSpPr>
+        <p:cNvPr id="1" name=""/>
+        <p:cNvGrpSpPr/>
+        <p:nvPr/>
+      </p:nvGrpSpPr>
+      <p:grpSpPr>
+        <a:xfrm>
+          <a:off x="0" y="0"/>
+          <a:ext cx="0" cy="0"/>
+          <a:chOff x="0" y="0"/>
+          <a:chExt cx="0" cy="0"/>
+        </a:xfrm>
+      </p:grpSpPr>
+      <p:sp>
+        <p:nvSpPr>
+          <p:cNvPr id="2" name="标题 1"/>
+          <p:cNvSpPr>
+            <a:spLocks noGrp="1"/>
+          </p:cNvSpPr>
+          <p:nvPr>
+            <p:ph type="title"/>
+          </p:nvPr>
+        </p:nvSpPr>
+        <p:spPr/>
+        <p:txBody>
+          <a:bodyPr/>
+          <a:lstStyle/>
+          <a:p>
+            <a:endParaRPr lang="zh-CN" altLang="en-US" dirty="0"/>
+          </a:p>
+        </p:txBody>
+      </p:sp>
+      <p:sp>
+        <p:nvSpPr>
+          <p:cNvPr id="3" name="内容占位符 2"/>
+          <p:cNvSpPr>
+            <a:spLocks noGrp="1"/>
+          </p:cNvSpPr>
+          <p:nvPr>
+            <p:ph idx="1"/>
+          </p:nvPr>
+        </p:nvSpPr>
+        <p:spPr/>
+        <p:txBody>
+          <a:bodyPr/>
+          <a:lstStyle/>
+          <a:p>
+            <a:endParaRPr lang="zh-CN" altLang="en-US" dirty="0"/>
+          </a:p>
+        </p:txBody>
+      </p:sp>
+    </p:spTree>
+    <p:extLst>
+      <p:ext uri="{BB962C8B-B14F-4D97-AF65-F5344CB8AC3E}">
+        <p14:creationId xmlns:p14="http://schemas.microsoft.com/office/powerpoint/2010/main" val="2512931078"/>
+      </p:ext>
+    </p:extLst>
+  </p:cSld>
+  <p:clrMapOvr>
+    <a:masterClrMapping/>
+  </p:clrMapOvr>
+</p:sld>
+</file>
+
 <file path=ppt/slides/slide2.xml><?xml version="1.0" encoding="utf-8"?>
 <p:sld xmlns:a="http://schemas.openxmlformats.org/drawingml/2006/main" xmlns:r="http://schemas.openxmlformats.org/officeDocument/2006/relationships" xmlns:p="http://schemas.openxmlformats.org/presentationml/2006/main">
   <p:cSld>
@@ -9786,11 +10091,7 @@
             </a:r>
             <a:r>
               <a:rPr lang="zh-CN" altLang="en-US" dirty="0" smtClean="0"/>
-              <a:t>针对多链上的资产跨转，需要一套</a:t>
-            </a:r>
-            <a:r>
-              <a:rPr lang="zh-CN" altLang="en-US" dirty="0" smtClean="0"/>
-              <a:t>中间件服务来实时管理。</a:t>
+              <a:t>针对多链上的资产跨转，需要一套中间件服务来实时管理。</a:t>
             </a:r>
             <a:endParaRPr lang="en-US" altLang="zh-CN" dirty="0" smtClean="0"/>
           </a:p>

--- a/doc/Idea.pptx
+++ b/doc/Idea.pptx
@@ -5,7 +5,7 @@
     <p:sldMasterId id="2147483648" r:id="rId1"/>
   </p:sldMasterIdLst>
   <p:notesMasterIdLst>
-    <p:notesMasterId r:id="rId13"/>
+    <p:notesMasterId r:id="rId18"/>
   </p:notesMasterIdLst>
   <p:sldIdLst>
     <p:sldId id="256" r:id="rId2"/>
@@ -18,7 +18,12 @@
     <p:sldId id="263" r:id="rId9"/>
     <p:sldId id="264" r:id="rId10"/>
     <p:sldId id="265" r:id="rId11"/>
-    <p:sldId id="266" r:id="rId12"/>
+    <p:sldId id="267" r:id="rId12"/>
+    <p:sldId id="266" r:id="rId13"/>
+    <p:sldId id="268" r:id="rId14"/>
+    <p:sldId id="269" r:id="rId15"/>
+    <p:sldId id="270" r:id="rId16"/>
+    <p:sldId id="271" r:id="rId17"/>
   </p:sldIdLst>
   <p:sldSz cx="12192000" cy="6858000"/>
   <p:notesSz cx="6858000" cy="9144000"/>
@@ -5918,7 +5923,7 @@
           <a:p>
             <a:fld id="{69C0BAC2-EE56-4923-8DE4-10D21D000425}" type="datetimeFigureOut">
               <a:rPr lang="zh-CN" altLang="en-US" smtClean="0"/>
-              <a:t>2022/12/8</a:t>
+              <a:t>2022/12/11</a:t>
             </a:fld>
             <a:endParaRPr lang="zh-CN" altLang="en-US"/>
           </a:p>
@@ -6401,7 +6406,7 @@
           <a:p>
             <a:fld id="{70F1CFF3-7958-41A3-94F3-9398BAFCBC9A}" type="datetimeFigureOut">
               <a:rPr lang="zh-CN" altLang="en-US" smtClean="0"/>
-              <a:t>2022/12/8</a:t>
+              <a:t>2022/12/11</a:t>
             </a:fld>
             <a:endParaRPr lang="zh-CN" altLang="en-US"/>
           </a:p>
@@ -6571,7 +6576,7 @@
           <a:p>
             <a:fld id="{70F1CFF3-7958-41A3-94F3-9398BAFCBC9A}" type="datetimeFigureOut">
               <a:rPr lang="zh-CN" altLang="en-US" smtClean="0"/>
-              <a:t>2022/12/8</a:t>
+              <a:t>2022/12/11</a:t>
             </a:fld>
             <a:endParaRPr lang="zh-CN" altLang="en-US"/>
           </a:p>
@@ -6751,7 +6756,7 @@
           <a:p>
             <a:fld id="{70F1CFF3-7958-41A3-94F3-9398BAFCBC9A}" type="datetimeFigureOut">
               <a:rPr lang="zh-CN" altLang="en-US" smtClean="0"/>
-              <a:t>2022/12/8</a:t>
+              <a:t>2022/12/11</a:t>
             </a:fld>
             <a:endParaRPr lang="zh-CN" altLang="en-US"/>
           </a:p>
@@ -6921,7 +6926,7 @@
           <a:p>
             <a:fld id="{70F1CFF3-7958-41A3-94F3-9398BAFCBC9A}" type="datetimeFigureOut">
               <a:rPr lang="zh-CN" altLang="en-US" smtClean="0"/>
-              <a:t>2022/12/8</a:t>
+              <a:t>2022/12/11</a:t>
             </a:fld>
             <a:endParaRPr lang="zh-CN" altLang="en-US"/>
           </a:p>
@@ -7167,7 +7172,7 @@
           <a:p>
             <a:fld id="{70F1CFF3-7958-41A3-94F3-9398BAFCBC9A}" type="datetimeFigureOut">
               <a:rPr lang="zh-CN" altLang="en-US" smtClean="0"/>
-              <a:t>2022/12/8</a:t>
+              <a:t>2022/12/11</a:t>
             </a:fld>
             <a:endParaRPr lang="zh-CN" altLang="en-US"/>
           </a:p>
@@ -7399,7 +7404,7 @@
           <a:p>
             <a:fld id="{70F1CFF3-7958-41A3-94F3-9398BAFCBC9A}" type="datetimeFigureOut">
               <a:rPr lang="zh-CN" altLang="en-US" smtClean="0"/>
-              <a:t>2022/12/8</a:t>
+              <a:t>2022/12/11</a:t>
             </a:fld>
             <a:endParaRPr lang="zh-CN" altLang="en-US"/>
           </a:p>
@@ -7766,7 +7771,7 @@
           <a:p>
             <a:fld id="{70F1CFF3-7958-41A3-94F3-9398BAFCBC9A}" type="datetimeFigureOut">
               <a:rPr lang="zh-CN" altLang="en-US" smtClean="0"/>
-              <a:t>2022/12/8</a:t>
+              <a:t>2022/12/11</a:t>
             </a:fld>
             <a:endParaRPr lang="zh-CN" altLang="en-US"/>
           </a:p>
@@ -7884,7 +7889,7 @@
           <a:p>
             <a:fld id="{70F1CFF3-7958-41A3-94F3-9398BAFCBC9A}" type="datetimeFigureOut">
               <a:rPr lang="zh-CN" altLang="en-US" smtClean="0"/>
-              <a:t>2022/12/8</a:t>
+              <a:t>2022/12/11</a:t>
             </a:fld>
             <a:endParaRPr lang="zh-CN" altLang="en-US"/>
           </a:p>
@@ -7979,7 +7984,7 @@
           <a:p>
             <a:fld id="{70F1CFF3-7958-41A3-94F3-9398BAFCBC9A}" type="datetimeFigureOut">
               <a:rPr lang="zh-CN" altLang="en-US" smtClean="0"/>
-              <a:t>2022/12/8</a:t>
+              <a:t>2022/12/11</a:t>
             </a:fld>
             <a:endParaRPr lang="zh-CN" altLang="en-US"/>
           </a:p>
@@ -8256,7 +8261,7 @@
           <a:p>
             <a:fld id="{70F1CFF3-7958-41A3-94F3-9398BAFCBC9A}" type="datetimeFigureOut">
               <a:rPr lang="zh-CN" altLang="en-US" smtClean="0"/>
-              <a:t>2022/12/8</a:t>
+              <a:t>2022/12/11</a:t>
             </a:fld>
             <a:endParaRPr lang="zh-CN" altLang="en-US"/>
           </a:p>
@@ -8509,7 +8514,7 @@
           <a:p>
             <a:fld id="{70F1CFF3-7958-41A3-94F3-9398BAFCBC9A}" type="datetimeFigureOut">
               <a:rPr lang="zh-CN" altLang="en-US" smtClean="0"/>
-              <a:t>2022/12/8</a:t>
+              <a:t>2022/12/11</a:t>
             </a:fld>
             <a:endParaRPr lang="zh-CN" altLang="en-US"/>
           </a:p>
@@ -8722,7 +8727,7 @@
           <a:p>
             <a:fld id="{70F1CFF3-7958-41A3-94F3-9398BAFCBC9A}" type="datetimeFigureOut">
               <a:rPr lang="zh-CN" altLang="en-US" smtClean="0"/>
-              <a:t>2022/12/8</a:t>
+              <a:t>2022/12/11</a:t>
             </a:fld>
             <a:endParaRPr lang="zh-CN" altLang="en-US"/>
           </a:p>
@@ -9230,19 +9235,23 @@
           <a:p>
             <a:r>
               <a:rPr lang="en-US" altLang="zh-CN" sz="4000" dirty="0" err="1" smtClean="0"/>
-              <a:t>EngineHub</a:t>
+              <a:t>CrossEngine</a:t>
             </a:r>
             <a:r>
               <a:rPr lang="zh-CN" altLang="en-US" sz="4000" dirty="0" smtClean="0"/>
               <a:t>：</a:t>
             </a:r>
             <a:r>
-              <a:rPr lang="en-US" altLang="zh-CN" sz="4000" dirty="0" err="1"/>
-              <a:t>NFT</a:t>
-            </a:r>
-            <a:r>
               <a:rPr lang="zh-CN" altLang="en-US" sz="4000" dirty="0"/>
-              <a:t>项目跨链互联的解决</a:t>
+              <a:t>微服务</a:t>
+            </a:r>
+            <a:r>
+              <a:rPr lang="zh-CN" altLang="en-US" sz="4000" dirty="0" smtClean="0"/>
+              <a:t>跨</a:t>
+            </a:r>
+            <a:r>
+              <a:rPr lang="zh-CN" altLang="en-US" sz="4000" dirty="0"/>
+              <a:t>链互联的解决</a:t>
             </a:r>
             <a:r>
               <a:rPr lang="zh-CN" altLang="en-US" sz="4000" dirty="0" smtClean="0"/>
@@ -9372,10 +9381,1381 @@
   <p:clrMapOvr>
     <a:masterClrMapping/>
   </p:clrMapOvr>
+  <p:timing>
+    <p:tnLst>
+      <p:par>
+        <p:cTn id="1" dur="indefinite" restart="never" nodeType="tmRoot"/>
+      </p:par>
+    </p:tnLst>
+  </p:timing>
 </p:sld>
 </file>
 
 <file path=ppt/slides/slide11.xml><?xml version="1.0" encoding="utf-8"?>
+<p:sld xmlns:a="http://schemas.openxmlformats.org/drawingml/2006/main" xmlns:r="http://schemas.openxmlformats.org/officeDocument/2006/relationships" xmlns:p="http://schemas.openxmlformats.org/presentationml/2006/main">
+  <p:cSld>
+    <p:spTree>
+      <p:nvGrpSpPr>
+        <p:cNvPr id="1" name=""/>
+        <p:cNvGrpSpPr/>
+        <p:nvPr/>
+      </p:nvGrpSpPr>
+      <p:grpSpPr>
+        <a:xfrm>
+          <a:off x="0" y="0"/>
+          <a:ext cx="0" cy="0"/>
+          <a:chOff x="0" y="0"/>
+          <a:chExt cx="0" cy="0"/>
+        </a:xfrm>
+      </p:grpSpPr>
+      <p:sp>
+        <p:nvSpPr>
+          <p:cNvPr id="6" name="文本框 5"/>
+          <p:cNvSpPr txBox="1"/>
+          <p:nvPr/>
+        </p:nvSpPr>
+        <p:spPr>
+          <a:xfrm>
+            <a:off x="1028699" y="1404258"/>
+            <a:ext cx="7802136" cy="3970318"/>
+          </a:xfrm>
+          <a:prstGeom prst="rect">
+            <a:avLst/>
+          </a:prstGeom>
+          <a:noFill/>
+        </p:spPr>
+        <p:txBody>
+          <a:bodyPr wrap="none" rtlCol="0">
+            <a:spAutoFit/>
+          </a:bodyPr>
+          <a:lstStyle/>
+          <a:p>
+            <a:r>
+              <a:rPr lang="zh-CN" altLang="en-US" b="1" dirty="0" smtClean="0"/>
+              <a:t>微服务跨链方案的意义：</a:t>
+            </a:r>
+            <a:endParaRPr lang="en-US" altLang="zh-CN" b="1" dirty="0" smtClean="0"/>
+          </a:p>
+          <a:p>
+            <a:r>
+              <a:rPr lang="en-US" altLang="zh-CN" dirty="0" smtClean="0"/>
+              <a:t>  </a:t>
+            </a:r>
+            <a:r>
+              <a:rPr lang="zh-CN" altLang="en-US" dirty="0" smtClean="0"/>
+              <a:t>对项目方：</a:t>
+            </a:r>
+            <a:endParaRPr lang="en-US" altLang="zh-CN" dirty="0" smtClean="0"/>
+          </a:p>
+          <a:p>
+            <a:r>
+              <a:rPr lang="en-US" altLang="zh-CN" dirty="0"/>
+              <a:t>	</a:t>
+            </a:r>
+            <a:r>
+              <a:rPr lang="zh-CN" altLang="en-US" dirty="0" smtClean="0"/>
+              <a:t>把一个项目以极低的成本部署到</a:t>
+            </a:r>
+            <a:r>
+              <a:rPr lang="zh-CN" altLang="en-US" dirty="0"/>
+              <a:t>多条</a:t>
+            </a:r>
+            <a:r>
+              <a:rPr lang="zh-CN" altLang="en-US" dirty="0" smtClean="0"/>
+              <a:t>链生态中，</a:t>
+            </a:r>
+            <a:endParaRPr lang="en-US" altLang="zh-CN" dirty="0" smtClean="0"/>
+          </a:p>
+          <a:p>
+            <a:r>
+              <a:rPr lang="en-US" altLang="zh-CN" dirty="0"/>
+              <a:t>	</a:t>
+            </a:r>
+            <a:r>
+              <a:rPr lang="zh-CN" altLang="en-US" dirty="0" smtClean="0"/>
+              <a:t>覆盖</a:t>
+            </a:r>
+            <a:r>
+              <a:rPr lang="zh-CN" altLang="en-US" dirty="0"/>
+              <a:t>了多个</a:t>
+            </a:r>
+            <a:r>
+              <a:rPr lang="zh-CN" altLang="en-US" dirty="0" smtClean="0"/>
+              <a:t>社群，用户</a:t>
+            </a:r>
+            <a:r>
+              <a:rPr lang="zh-CN" altLang="en-US" dirty="0"/>
+              <a:t>基数变</a:t>
+            </a:r>
+            <a:r>
+              <a:rPr lang="zh-CN" altLang="en-US" dirty="0" smtClean="0"/>
+              <a:t>大，</a:t>
+            </a:r>
+            <a:r>
+              <a:rPr lang="zh-CN" altLang="en-US" dirty="0"/>
+              <a:t>需求潜力增多</a:t>
+            </a:r>
+            <a:r>
+              <a:rPr lang="zh-CN" altLang="en-US" dirty="0" smtClean="0"/>
+              <a:t>。</a:t>
+            </a:r>
+            <a:endParaRPr lang="en-US" altLang="zh-CN" dirty="0" smtClean="0"/>
+          </a:p>
+          <a:p>
+            <a:r>
+              <a:rPr lang="en-US" altLang="zh-CN" dirty="0"/>
+              <a:t> </a:t>
+            </a:r>
+            <a:r>
+              <a:rPr lang="en-US" altLang="zh-CN" dirty="0" smtClean="0"/>
+              <a:t> </a:t>
+            </a:r>
+            <a:r>
+              <a:rPr lang="zh-CN" altLang="en-US" dirty="0" smtClean="0"/>
+              <a:t>对用户：</a:t>
+            </a:r>
+            <a:endParaRPr lang="en-US" altLang="zh-CN" dirty="0" smtClean="0"/>
+          </a:p>
+          <a:p>
+            <a:r>
+              <a:rPr lang="en-US" altLang="zh-CN" dirty="0"/>
+              <a:t>	</a:t>
+            </a:r>
+            <a:r>
+              <a:rPr lang="zh-CN" altLang="en-US" dirty="0" smtClean="0"/>
+              <a:t>多链的项目用户能自由选择车道，</a:t>
+            </a:r>
+            <a:endParaRPr lang="en-US" altLang="zh-CN" dirty="0" smtClean="0"/>
+          </a:p>
+          <a:p>
+            <a:r>
+              <a:rPr lang="en-US" altLang="zh-CN" dirty="0"/>
+              <a:t>	</a:t>
+            </a:r>
+            <a:r>
+              <a:rPr lang="zh-CN" altLang="en-US" dirty="0" smtClean="0"/>
+              <a:t>让</a:t>
+            </a:r>
+            <a:r>
+              <a:rPr lang="zh-CN" altLang="en-US" dirty="0"/>
+              <a:t>自己的</a:t>
+            </a:r>
+            <a:r>
+              <a:rPr lang="zh-CN" altLang="en-US" dirty="0" smtClean="0"/>
+              <a:t>资产在</a:t>
+            </a:r>
+            <a:r>
+              <a:rPr lang="zh-CN" altLang="en-US" dirty="0"/>
+              <a:t>低手续费链上流通，在高认可度链上保值</a:t>
+            </a:r>
+            <a:r>
+              <a:rPr lang="zh-CN" altLang="en-US" dirty="0" smtClean="0"/>
+              <a:t>。</a:t>
+            </a:r>
+            <a:endParaRPr lang="en-US" altLang="zh-CN" dirty="0" smtClean="0"/>
+          </a:p>
+          <a:p>
+            <a:r>
+              <a:rPr lang="en-US" altLang="zh-CN" dirty="0"/>
+              <a:t> </a:t>
+            </a:r>
+            <a:r>
+              <a:rPr lang="en-US" altLang="zh-CN" dirty="0" smtClean="0"/>
+              <a:t> </a:t>
+            </a:r>
+            <a:r>
+              <a:rPr lang="zh-CN" altLang="en-US" dirty="0" smtClean="0"/>
+              <a:t>对公链：</a:t>
+            </a:r>
+            <a:endParaRPr lang="en-US" altLang="zh-CN" dirty="0" smtClean="0"/>
+          </a:p>
+          <a:p>
+            <a:r>
+              <a:rPr lang="en-US" altLang="zh-CN" dirty="0"/>
+              <a:t>	</a:t>
+            </a:r>
+            <a:r>
+              <a:rPr lang="zh-CN" altLang="en-US" dirty="0" smtClean="0"/>
+              <a:t>新公链能快速获得其他链的优质资产，</a:t>
+            </a:r>
+            <a:endParaRPr lang="en-US" altLang="zh-CN" dirty="0" smtClean="0"/>
+          </a:p>
+          <a:p>
+            <a:r>
+              <a:rPr lang="en-US" altLang="zh-CN" dirty="0"/>
+              <a:t>	</a:t>
+            </a:r>
+            <a:r>
+              <a:rPr lang="zh-CN" altLang="en-US" dirty="0" smtClean="0"/>
+              <a:t>老公链能借助其他链充当潮汐车道，降低拥堵。</a:t>
+            </a:r>
+            <a:endParaRPr lang="en-US" altLang="zh-CN" dirty="0" smtClean="0"/>
+          </a:p>
+          <a:p>
+            <a:r>
+              <a:rPr lang="en-US" altLang="zh-CN" dirty="0"/>
+              <a:t> </a:t>
+            </a:r>
+            <a:r>
+              <a:rPr lang="en-US" altLang="zh-CN" dirty="0" smtClean="0"/>
+              <a:t> </a:t>
+            </a:r>
+            <a:r>
+              <a:rPr lang="zh-CN" altLang="en-US" dirty="0" smtClean="0"/>
+              <a:t>安全性：</a:t>
+            </a:r>
+            <a:endParaRPr lang="en-US" altLang="zh-CN" dirty="0" smtClean="0"/>
+          </a:p>
+          <a:p>
+            <a:r>
+              <a:rPr lang="en-US" altLang="zh-CN" dirty="0"/>
+              <a:t>	</a:t>
+            </a:r>
+            <a:r>
+              <a:rPr lang="zh-CN" altLang="en-US" dirty="0" smtClean="0"/>
+              <a:t>替代现有的跨链总线方案，</a:t>
+            </a:r>
+            <a:endParaRPr lang="en-US" altLang="zh-CN" dirty="0" smtClean="0"/>
+          </a:p>
+          <a:p>
+            <a:r>
+              <a:rPr lang="en-US" altLang="zh-CN" dirty="0"/>
+              <a:t>	</a:t>
+            </a:r>
+            <a:r>
+              <a:rPr lang="zh-CN" altLang="en-US" dirty="0" smtClean="0"/>
+              <a:t>每个项目的微服务容器作为中间件，相当于拥有一条跨链专线</a:t>
+            </a:r>
+            <a:endParaRPr lang="en-US" altLang="zh-CN" dirty="0" smtClean="0"/>
+          </a:p>
+          <a:p>
+            <a:r>
+              <a:rPr lang="en-US" altLang="zh-CN" dirty="0"/>
+              <a:t>	</a:t>
+            </a:r>
+            <a:r>
+              <a:rPr lang="zh-CN" altLang="en-US" dirty="0" smtClean="0"/>
+              <a:t>使漏洞或黑客袭击问题隔离在一个沙箱中，避免造成整体风险。</a:t>
+            </a:r>
+            <a:endParaRPr lang="en-US" altLang="zh-CN" dirty="0"/>
+          </a:p>
+        </p:txBody>
+      </p:sp>
+    </p:spTree>
+    <p:extLst>
+      <p:ext uri="{BB962C8B-B14F-4D97-AF65-F5344CB8AC3E}">
+        <p14:creationId xmlns:p14="http://schemas.microsoft.com/office/powerpoint/2010/main" val="1561036910"/>
+      </p:ext>
+    </p:extLst>
+  </p:cSld>
+  <p:clrMapOvr>
+    <a:masterClrMapping/>
+  </p:clrMapOvr>
+</p:sld>
+</file>
+
+<file path=ppt/slides/slide12.xml><?xml version="1.0" encoding="utf-8"?>
+<p:sld xmlns:a="http://schemas.openxmlformats.org/drawingml/2006/main" xmlns:r="http://schemas.openxmlformats.org/officeDocument/2006/relationships" xmlns:p="http://schemas.openxmlformats.org/presentationml/2006/main">
+  <p:cSld>
+    <p:spTree>
+      <p:nvGrpSpPr>
+        <p:cNvPr id="1" name=""/>
+        <p:cNvGrpSpPr/>
+        <p:nvPr/>
+      </p:nvGrpSpPr>
+      <p:grpSpPr>
+        <a:xfrm>
+          <a:off x="0" y="0"/>
+          <a:ext cx="0" cy="0"/>
+          <a:chOff x="0" y="0"/>
+          <a:chExt cx="0" cy="0"/>
+        </a:xfrm>
+      </p:grpSpPr>
+      <p:sp>
+        <p:nvSpPr>
+          <p:cNvPr id="5" name="文本框 4"/>
+          <p:cNvSpPr txBox="1"/>
+          <p:nvPr/>
+        </p:nvSpPr>
+        <p:spPr>
+          <a:xfrm>
+            <a:off x="1191986" y="1412421"/>
+            <a:ext cx="6923690" cy="646331"/>
+          </a:xfrm>
+          <a:prstGeom prst="rect">
+            <a:avLst/>
+          </a:prstGeom>
+          <a:noFill/>
+        </p:spPr>
+        <p:txBody>
+          <a:bodyPr wrap="none" rtlCol="0">
+            <a:spAutoFit/>
+          </a:bodyPr>
+          <a:lstStyle/>
+          <a:p>
+            <a:r>
+              <a:rPr lang="zh-CN" altLang="en-US" dirty="0" smtClean="0"/>
+              <a:t>需求：监控</a:t>
+            </a:r>
+            <a:r>
+              <a:rPr lang="en-US" altLang="zh-CN" dirty="0" smtClean="0"/>
+              <a:t>A</a:t>
+            </a:r>
+            <a:r>
+              <a:rPr lang="zh-CN" altLang="en-US" dirty="0" smtClean="0"/>
+              <a:t>链锁定合约的执行状态，以及</a:t>
+            </a:r>
+            <a:r>
+              <a:rPr lang="en-US" altLang="zh-CN" dirty="0" smtClean="0"/>
+              <a:t>B</a:t>
+            </a:r>
+            <a:r>
+              <a:rPr lang="zh-CN" altLang="en-US" dirty="0" smtClean="0"/>
+              <a:t>链铸造合约的执行状态</a:t>
+            </a:r>
+            <a:endParaRPr lang="en-US" altLang="zh-CN" dirty="0" smtClean="0"/>
+          </a:p>
+          <a:p>
+            <a:r>
+              <a:rPr lang="zh-CN" altLang="en-US" dirty="0" smtClean="0"/>
+              <a:t>方法：用</a:t>
+            </a:r>
+            <a:r>
+              <a:rPr lang="en-US" altLang="zh-CN" dirty="0" err="1" smtClean="0"/>
+              <a:t>TheGraph</a:t>
+            </a:r>
+            <a:r>
+              <a:rPr lang="zh-CN" altLang="en-US" dirty="0" smtClean="0"/>
+              <a:t>监控并索引某个时间的历史数据</a:t>
+            </a:r>
+            <a:endParaRPr lang="zh-CN" altLang="en-US" dirty="0"/>
+          </a:p>
+        </p:txBody>
+      </p:sp>
+      <p:sp>
+        <p:nvSpPr>
+          <p:cNvPr id="6" name="文本框 5"/>
+          <p:cNvSpPr txBox="1"/>
+          <p:nvPr/>
+        </p:nvSpPr>
+        <p:spPr>
+          <a:xfrm>
+            <a:off x="1314449" y="2506436"/>
+            <a:ext cx="8213271" cy="2031325"/>
+          </a:xfrm>
+          <a:prstGeom prst="rect">
+            <a:avLst/>
+          </a:prstGeom>
+          <a:noFill/>
+        </p:spPr>
+        <p:txBody>
+          <a:bodyPr wrap="square" rtlCol="0">
+            <a:spAutoFit/>
+          </a:bodyPr>
+          <a:lstStyle/>
+          <a:p>
+            <a:r>
+              <a:rPr lang="zh-CN" altLang="en-US" dirty="0" smtClean="0"/>
+              <a:t>具体功能：</a:t>
+            </a:r>
+            <a:endParaRPr lang="en-US" altLang="zh-CN" dirty="0" smtClean="0"/>
+          </a:p>
+          <a:p>
+            <a:r>
+              <a:rPr lang="en-US" altLang="zh-CN" dirty="0"/>
+              <a:t>	</a:t>
+            </a:r>
+            <a:r>
+              <a:rPr lang="en-US" altLang="zh-CN" dirty="0" smtClean="0"/>
+              <a:t>//</a:t>
+            </a:r>
+            <a:r>
+              <a:rPr lang="zh-CN" altLang="en-US" dirty="0"/>
+              <a:t>添加</a:t>
+            </a:r>
+            <a:r>
+              <a:rPr lang="zh-CN" altLang="en-US" dirty="0" smtClean="0"/>
+              <a:t>事件</a:t>
+            </a:r>
+            <a:r>
+              <a:rPr lang="en-US" altLang="zh-CN" dirty="0" smtClean="0"/>
+              <a:t>,</a:t>
+            </a:r>
+            <a:r>
+              <a:rPr lang="zh-CN" altLang="en-US" dirty="0" smtClean="0"/>
+              <a:t>用以</a:t>
+            </a:r>
+            <a:r>
+              <a:rPr lang="zh-CN" altLang="en-US" dirty="0"/>
+              <a:t>添加</a:t>
+            </a:r>
+            <a:r>
+              <a:rPr lang="zh-CN" altLang="en-US" dirty="0" smtClean="0"/>
+              <a:t>某个合约的事件</a:t>
+            </a:r>
+            <a:endParaRPr lang="en-US" altLang="zh-CN" dirty="0" smtClean="0"/>
+          </a:p>
+          <a:p>
+            <a:r>
+              <a:rPr lang="en-US" altLang="zh-CN" dirty="0"/>
+              <a:t>	</a:t>
+            </a:r>
+            <a:r>
+              <a:rPr lang="en-US" altLang="zh-CN" dirty="0" smtClean="0"/>
+              <a:t>fun </a:t>
+            </a:r>
+            <a:r>
+              <a:rPr lang="en-US" altLang="zh-CN" dirty="0" err="1" smtClean="0"/>
+              <a:t>addEventOfContractAtChain</a:t>
+            </a:r>
+            <a:r>
+              <a:rPr lang="en-US" altLang="zh-CN" dirty="0" smtClean="0"/>
+              <a:t>(event, contract, chain)</a:t>
+            </a:r>
+            <a:r>
+              <a:rPr lang="zh-CN" altLang="en-US" dirty="0"/>
+              <a:t> </a:t>
+            </a:r>
+            <a:r>
+              <a:rPr lang="en-US" altLang="zh-CN" dirty="0" smtClean="0"/>
+              <a:t>return event</a:t>
+            </a:r>
+          </a:p>
+          <a:p>
+            <a:r>
+              <a:rPr lang="en-US" altLang="zh-CN" dirty="0"/>
+              <a:t>	</a:t>
+            </a:r>
+            <a:r>
+              <a:rPr lang="en-US" altLang="zh-CN" dirty="0" smtClean="0"/>
+              <a:t>//</a:t>
+            </a:r>
+            <a:r>
+              <a:rPr lang="zh-CN" altLang="en-US" dirty="0" smtClean="0"/>
+              <a:t>查询事件</a:t>
+            </a:r>
+            <a:r>
+              <a:rPr lang="zh-CN" altLang="en-US" dirty="0"/>
+              <a:t>历史</a:t>
+            </a:r>
+            <a:endParaRPr lang="en-US" altLang="zh-CN" dirty="0" smtClean="0"/>
+          </a:p>
+          <a:p>
+            <a:r>
+              <a:rPr lang="en-US" altLang="zh-CN" dirty="0"/>
+              <a:t>	</a:t>
+            </a:r>
+            <a:r>
+              <a:rPr lang="en-US" altLang="zh-CN" dirty="0" smtClean="0"/>
+              <a:t>fun </a:t>
+            </a:r>
+            <a:r>
+              <a:rPr lang="en-US" altLang="zh-CN" dirty="0" err="1" smtClean="0"/>
+              <a:t>findAllEvents</a:t>
+            </a:r>
+            <a:r>
+              <a:rPr lang="en-US" altLang="zh-CN" dirty="0" smtClean="0"/>
+              <a:t>(address,</a:t>
+            </a:r>
+            <a:r>
+              <a:rPr lang="en-US" altLang="zh-CN" dirty="0"/>
+              <a:t> </a:t>
+            </a:r>
+            <a:r>
+              <a:rPr lang="en-US" altLang="zh-CN" dirty="0" err="1" smtClean="0"/>
+              <a:t>event,contract,chain</a:t>
+            </a:r>
+            <a:r>
+              <a:rPr lang="en-US" altLang="zh-CN" dirty="0" smtClean="0"/>
+              <a:t>) return event[]</a:t>
+            </a:r>
+          </a:p>
+          <a:p>
+            <a:r>
+              <a:rPr lang="en-US" altLang="zh-CN" dirty="0"/>
+              <a:t>	</a:t>
+            </a:r>
+            <a:r>
+              <a:rPr lang="en-US" altLang="zh-CN" dirty="0" smtClean="0"/>
+              <a:t>// </a:t>
+            </a:r>
+            <a:r>
+              <a:rPr lang="zh-CN" altLang="en-US" dirty="0" smtClean="0"/>
+              <a:t>查询某个交易的状态</a:t>
+            </a:r>
+            <a:endParaRPr lang="en-US" altLang="zh-CN" dirty="0" smtClean="0"/>
+          </a:p>
+          <a:p>
+            <a:r>
+              <a:rPr lang="en-US" altLang="zh-CN" dirty="0"/>
+              <a:t>	</a:t>
+            </a:r>
+            <a:r>
+              <a:rPr lang="en-US" altLang="zh-CN" dirty="0" smtClean="0"/>
+              <a:t>fun </a:t>
+            </a:r>
+            <a:r>
+              <a:rPr lang="en-US" altLang="zh-CN" dirty="0" err="1" smtClean="0"/>
+              <a:t>getTxStatus</a:t>
+            </a:r>
+            <a:r>
+              <a:rPr lang="en-US" altLang="zh-CN" dirty="0" smtClean="0"/>
+              <a:t>(</a:t>
+            </a:r>
+            <a:r>
+              <a:rPr lang="en-US" altLang="zh-CN" dirty="0" err="1" smtClean="0"/>
+              <a:t>txIdx</a:t>
+            </a:r>
+            <a:r>
+              <a:rPr lang="en-US" altLang="zh-CN" dirty="0" smtClean="0"/>
+              <a:t>)</a:t>
+            </a:r>
+            <a:endParaRPr lang="zh-CN" altLang="en-US" dirty="0"/>
+          </a:p>
+        </p:txBody>
+      </p:sp>
+    </p:spTree>
+    <p:extLst>
+      <p:ext uri="{BB962C8B-B14F-4D97-AF65-F5344CB8AC3E}">
+        <p14:creationId xmlns:p14="http://schemas.microsoft.com/office/powerpoint/2010/main" val="2512931078"/>
+      </p:ext>
+    </p:extLst>
+  </p:cSld>
+  <p:clrMapOvr>
+    <a:masterClrMapping/>
+  </p:clrMapOvr>
+  <mc:AlternateContent xmlns:mc="http://schemas.openxmlformats.org/markup-compatibility/2006" xmlns:p14="http://schemas.microsoft.com/office/powerpoint/2010/main">
+    <mc:Choice Requires="p14">
+      <p:transition spd="slow" p14:dur="2000"/>
+    </mc:Choice>
+    <mc:Fallback xmlns="">
+      <p:transition spd="slow"/>
+    </mc:Fallback>
+  </mc:AlternateContent>
+  <p:timing>
+    <p:tnLst>
+      <p:par>
+        <p:cTn id="1" dur="indefinite" restart="never" nodeType="tmRoot"/>
+      </p:par>
+    </p:tnLst>
+  </p:timing>
+</p:sld>
+</file>
+
+<file path=ppt/slides/slide13.xml><?xml version="1.0" encoding="utf-8"?>
+<p:sld xmlns:a="http://schemas.openxmlformats.org/drawingml/2006/main" xmlns:r="http://schemas.openxmlformats.org/officeDocument/2006/relationships" xmlns:p="http://schemas.openxmlformats.org/presentationml/2006/main">
+  <p:cSld>
+    <p:spTree>
+      <p:nvGrpSpPr>
+        <p:cNvPr id="1" name=""/>
+        <p:cNvGrpSpPr/>
+        <p:nvPr/>
+      </p:nvGrpSpPr>
+      <p:grpSpPr>
+        <a:xfrm>
+          <a:off x="0" y="0"/>
+          <a:ext cx="0" cy="0"/>
+          <a:chOff x="0" y="0"/>
+          <a:chExt cx="0" cy="0"/>
+        </a:xfrm>
+      </p:grpSpPr>
+      <p:sp>
+        <p:nvSpPr>
+          <p:cNvPr id="4" name="文本框 3"/>
+          <p:cNvSpPr txBox="1"/>
+          <p:nvPr/>
+        </p:nvSpPr>
+        <p:spPr>
+          <a:xfrm>
+            <a:off x="2906486" y="2016579"/>
+            <a:ext cx="4570482" cy="1200329"/>
+          </a:xfrm>
+          <a:prstGeom prst="rect">
+            <a:avLst/>
+          </a:prstGeom>
+          <a:noFill/>
+        </p:spPr>
+        <p:txBody>
+          <a:bodyPr wrap="none" rtlCol="0">
+            <a:spAutoFit/>
+          </a:bodyPr>
+          <a:lstStyle/>
+          <a:p>
+            <a:r>
+              <a:rPr lang="zh-CN" altLang="en-US" dirty="0" smtClean="0"/>
+              <a:t>一个在多条链上部署的项目具有什么特点？</a:t>
+            </a:r>
+            <a:endParaRPr lang="en-US" altLang="zh-CN" dirty="0" smtClean="0"/>
+          </a:p>
+          <a:p>
+            <a:r>
+              <a:rPr lang="en-US" altLang="zh-CN" dirty="0"/>
+              <a:t> </a:t>
+            </a:r>
+            <a:r>
+              <a:rPr lang="en-US" altLang="zh-CN" dirty="0" smtClean="0"/>
+              <a:t> 1. </a:t>
+            </a:r>
+            <a:r>
+              <a:rPr lang="zh-CN" altLang="en-US" dirty="0" smtClean="0"/>
+              <a:t>团队实力强。</a:t>
+            </a:r>
+            <a:endParaRPr lang="en-US" altLang="zh-CN" dirty="0" smtClean="0"/>
+          </a:p>
+          <a:p>
+            <a:r>
+              <a:rPr lang="en-US" altLang="zh-CN" dirty="0" smtClean="0"/>
+              <a:t>  2. </a:t>
+            </a:r>
+            <a:r>
+              <a:rPr lang="zh-CN" altLang="en-US" dirty="0" smtClean="0"/>
+              <a:t>项目规模大，用户多</a:t>
+            </a:r>
+            <a:endParaRPr lang="en-US" altLang="zh-CN" dirty="0" smtClean="0"/>
+          </a:p>
+          <a:p>
+            <a:r>
+              <a:rPr lang="en-US" altLang="zh-CN" dirty="0"/>
+              <a:t> </a:t>
+            </a:r>
+            <a:r>
+              <a:rPr lang="en-US" altLang="zh-CN" dirty="0" smtClean="0"/>
+              <a:t> 3. </a:t>
+            </a:r>
+            <a:endParaRPr lang="zh-CN" altLang="en-US" dirty="0"/>
+          </a:p>
+        </p:txBody>
+      </p:sp>
+    </p:spTree>
+    <p:extLst>
+      <p:ext uri="{BB962C8B-B14F-4D97-AF65-F5344CB8AC3E}">
+        <p14:creationId xmlns:p14="http://schemas.microsoft.com/office/powerpoint/2010/main" val="2274850947"/>
+      </p:ext>
+    </p:extLst>
+  </p:cSld>
+  <p:clrMapOvr>
+    <a:masterClrMapping/>
+  </p:clrMapOvr>
+</p:sld>
+</file>
+
+<file path=ppt/slides/slide14.xml><?xml version="1.0" encoding="utf-8"?>
+<p:sld xmlns:a="http://schemas.openxmlformats.org/drawingml/2006/main" xmlns:r="http://schemas.openxmlformats.org/officeDocument/2006/relationships" xmlns:p="http://schemas.openxmlformats.org/presentationml/2006/main">
+  <p:cSld>
+    <p:spTree>
+      <p:nvGrpSpPr>
+        <p:cNvPr id="1" name=""/>
+        <p:cNvGrpSpPr/>
+        <p:nvPr/>
+      </p:nvGrpSpPr>
+      <p:grpSpPr>
+        <a:xfrm>
+          <a:off x="0" y="0"/>
+          <a:ext cx="0" cy="0"/>
+          <a:chOff x="0" y="0"/>
+          <a:chExt cx="0" cy="0"/>
+        </a:xfrm>
+      </p:grpSpPr>
+      <p:sp>
+        <p:nvSpPr>
+          <p:cNvPr id="4" name="文本框 3"/>
+          <p:cNvSpPr txBox="1"/>
+          <p:nvPr/>
+        </p:nvSpPr>
+        <p:spPr>
+          <a:xfrm>
+            <a:off x="791936" y="532618"/>
+            <a:ext cx="4155305" cy="5909310"/>
+          </a:xfrm>
+          <a:prstGeom prst="rect">
+            <a:avLst/>
+          </a:prstGeom>
+        </p:spPr>
+        <p:style>
+          <a:lnRef idx="2">
+            <a:schemeClr val="accent6"/>
+          </a:lnRef>
+          <a:fillRef idx="1">
+            <a:schemeClr val="lt1"/>
+          </a:fillRef>
+          <a:effectRef idx="0">
+            <a:schemeClr val="accent6"/>
+          </a:effectRef>
+          <a:fontRef idx="minor">
+            <a:schemeClr val="dk1"/>
+          </a:fontRef>
+        </p:style>
+        <p:txBody>
+          <a:bodyPr wrap="none" rtlCol="0">
+            <a:spAutoFit/>
+          </a:bodyPr>
+          <a:lstStyle/>
+          <a:p>
+            <a:r>
+              <a:rPr lang="zh-CN" altLang="en-US" dirty="0" smtClean="0"/>
+              <a:t>钱包登录</a:t>
+            </a:r>
+            <a:endParaRPr lang="en-US" altLang="zh-CN" dirty="0"/>
+          </a:p>
+          <a:p>
+            <a:endParaRPr lang="en-US" altLang="zh-CN" dirty="0"/>
+          </a:p>
+          <a:p>
+            <a:r>
+              <a:rPr lang="zh-CN" altLang="en-US" dirty="0" smtClean="0"/>
+              <a:t>选择</a:t>
+            </a:r>
+            <a:r>
+              <a:rPr lang="en-US" altLang="zh-CN" dirty="0" err="1" smtClean="0"/>
+              <a:t>NFT</a:t>
+            </a:r>
+            <a:r>
+              <a:rPr lang="zh-CN" altLang="en-US" dirty="0" smtClean="0"/>
+              <a:t>的类型参数模板</a:t>
+            </a:r>
+            <a:endParaRPr lang="en-US" altLang="zh-CN" dirty="0" smtClean="0"/>
+          </a:p>
+          <a:p>
+            <a:r>
+              <a:rPr lang="en-US" altLang="zh-CN" dirty="0" smtClean="0"/>
+              <a:t>	</a:t>
+            </a:r>
+            <a:r>
+              <a:rPr lang="zh-CN" altLang="en-US" dirty="0" smtClean="0"/>
+              <a:t>盲盒， </a:t>
+            </a:r>
+            <a:r>
+              <a:rPr lang="en-US" altLang="zh-CN" dirty="0" smtClean="0"/>
+              <a:t>mint</a:t>
+            </a:r>
+            <a:r>
+              <a:rPr lang="zh-CN" altLang="en-US" dirty="0" smtClean="0"/>
+              <a:t>价格，总量，其他</a:t>
+            </a:r>
+            <a:endParaRPr lang="en-US" altLang="zh-CN" dirty="0" smtClean="0"/>
+          </a:p>
+          <a:p>
+            <a:r>
+              <a:rPr lang="zh-CN" altLang="en-US" dirty="0" smtClean="0"/>
+              <a:t>选择白名单管理方式</a:t>
+            </a:r>
+            <a:endParaRPr lang="en-US" altLang="zh-CN" dirty="0" smtClean="0"/>
+          </a:p>
+          <a:p>
+            <a:r>
+              <a:rPr lang="en-US" altLang="zh-CN" dirty="0"/>
+              <a:t> </a:t>
+            </a:r>
+            <a:r>
+              <a:rPr lang="en-US" altLang="zh-CN" dirty="0" smtClean="0"/>
+              <a:t>    </a:t>
+            </a:r>
+            <a:r>
+              <a:rPr lang="zh-CN" altLang="en-US" dirty="0" smtClean="0"/>
+              <a:t>白名单折扣率 （ ）</a:t>
+            </a:r>
+            <a:r>
+              <a:rPr lang="en-US" altLang="zh-CN" dirty="0" smtClean="0"/>
+              <a:t>%</a:t>
+            </a:r>
+          </a:p>
+          <a:p>
+            <a:pPr marL="742950" lvl="1" indent="-285750">
+              <a:buFont typeface="Wingdings" panose="05000000000000000000" pitchFamily="2" charset="2"/>
+              <a:buChar char="l"/>
+            </a:pPr>
+            <a:r>
+              <a:rPr lang="en-US" altLang="zh-CN" dirty="0" err="1" smtClean="0"/>
+              <a:t>Merkle</a:t>
+            </a:r>
+            <a:r>
+              <a:rPr lang="zh-CN" altLang="en-US" dirty="0" smtClean="0"/>
+              <a:t>树一次性白名单</a:t>
+            </a:r>
+            <a:endParaRPr lang="en-US" altLang="zh-CN" dirty="0" smtClean="0"/>
+          </a:p>
+          <a:p>
+            <a:pPr marL="742950" lvl="1" indent="-285750">
+              <a:buFont typeface="Wingdings" panose="05000000000000000000" pitchFamily="2" charset="2"/>
+              <a:buChar char="l"/>
+            </a:pPr>
+            <a:r>
+              <a:rPr lang="zh-CN" altLang="en-US" dirty="0" smtClean="0"/>
+              <a:t>动态添加白名单</a:t>
+            </a:r>
+            <a:endParaRPr lang="en-US" altLang="zh-CN" dirty="0"/>
+          </a:p>
+          <a:p>
+            <a:pPr marL="742950" lvl="1" indent="-285750">
+              <a:buFont typeface="Wingdings" panose="05000000000000000000" pitchFamily="2" charset="2"/>
+              <a:buChar char="l"/>
+            </a:pPr>
+            <a:endParaRPr lang="en-US" altLang="zh-CN" dirty="0"/>
+          </a:p>
+          <a:p>
+            <a:r>
+              <a:rPr lang="zh-CN" altLang="en-US" dirty="0" smtClean="0"/>
+              <a:t>是否跨链（）</a:t>
+            </a:r>
+            <a:r>
+              <a:rPr lang="en-US" altLang="zh-CN" dirty="0"/>
+              <a:t>	</a:t>
+            </a:r>
+            <a:endParaRPr lang="en-US" altLang="zh-CN" dirty="0" smtClean="0"/>
+          </a:p>
+          <a:p>
+            <a:r>
+              <a:rPr lang="zh-CN" altLang="en-US" dirty="0" smtClean="0"/>
+              <a:t>选择目标区块链</a:t>
+            </a:r>
+            <a:r>
+              <a:rPr lang="en-US" altLang="zh-CN" dirty="0" smtClean="0"/>
+              <a:t>(</a:t>
+            </a:r>
+            <a:r>
+              <a:rPr lang="zh-CN" altLang="en-US" dirty="0" smtClean="0"/>
+              <a:t>多选</a:t>
+            </a:r>
+            <a:r>
+              <a:rPr lang="en-US" altLang="zh-CN" dirty="0" smtClean="0"/>
+              <a:t>)</a:t>
+            </a:r>
+          </a:p>
+          <a:p>
+            <a:pPr marL="742950" lvl="1" indent="-285750">
+              <a:buFont typeface="Wingdings" panose="05000000000000000000" pitchFamily="2" charset="2"/>
+              <a:buChar char="p"/>
+            </a:pPr>
+            <a:r>
+              <a:rPr lang="en-US" altLang="zh-CN" dirty="0" smtClean="0"/>
+              <a:t>ETH   </a:t>
+            </a:r>
+          </a:p>
+          <a:p>
+            <a:pPr marL="742950" lvl="1" indent="-285750">
+              <a:buFont typeface="Wingdings" panose="05000000000000000000" pitchFamily="2" charset="2"/>
+              <a:buChar char="p"/>
+            </a:pPr>
+            <a:r>
+              <a:rPr lang="en-US" altLang="zh-CN" dirty="0" smtClean="0"/>
+              <a:t>BSC </a:t>
+            </a:r>
+            <a:r>
+              <a:rPr lang="en-US" altLang="zh-CN" dirty="0"/>
+              <a:t>	</a:t>
+            </a:r>
+            <a:r>
+              <a:rPr lang="en-US" altLang="zh-CN" dirty="0" smtClean="0"/>
+              <a:t>	</a:t>
+            </a:r>
+          </a:p>
+          <a:p>
+            <a:pPr marL="742950" lvl="1" indent="-285750">
+              <a:buFont typeface="Wingdings" panose="05000000000000000000" pitchFamily="2" charset="2"/>
+              <a:buChar char="p"/>
+            </a:pPr>
+            <a:r>
+              <a:rPr lang="en-US" altLang="zh-CN" dirty="0" smtClean="0"/>
+              <a:t>Solana</a:t>
+            </a:r>
+          </a:p>
+          <a:p>
+            <a:pPr marL="742950" lvl="1" indent="-285750">
+              <a:buFont typeface="Wingdings" panose="05000000000000000000" pitchFamily="2" charset="2"/>
+              <a:buChar char="p"/>
+            </a:pPr>
+            <a:r>
+              <a:rPr lang="en-US" altLang="zh-CN" dirty="0" err="1" smtClean="0"/>
+              <a:t>Fantom</a:t>
+            </a:r>
+            <a:endParaRPr lang="en-US" altLang="zh-CN" dirty="0"/>
+          </a:p>
+          <a:p>
+            <a:pPr marL="742950" lvl="1" indent="-285750">
+              <a:buFont typeface="Wingdings" panose="05000000000000000000" pitchFamily="2" charset="2"/>
+              <a:buChar char="p"/>
+            </a:pPr>
+            <a:r>
+              <a:rPr lang="en-US" altLang="zh-CN" dirty="0" smtClean="0"/>
+              <a:t>Moonbeam</a:t>
+            </a:r>
+            <a:endParaRPr lang="en-US" altLang="zh-CN" dirty="0"/>
+          </a:p>
+          <a:p>
+            <a:endParaRPr lang="en-US" altLang="zh-CN" dirty="0"/>
+          </a:p>
+          <a:p>
+            <a:r>
+              <a:rPr lang="zh-CN" altLang="en-US" dirty="0" smtClean="0"/>
+              <a:t>部署合约</a:t>
+            </a:r>
+            <a:endParaRPr lang="en-US" altLang="zh-CN" dirty="0"/>
+          </a:p>
+          <a:p>
+            <a:endParaRPr lang="en-US" altLang="zh-CN" dirty="0" smtClean="0"/>
+          </a:p>
+          <a:p>
+            <a:r>
+              <a:rPr lang="zh-CN" altLang="en-US" dirty="0"/>
+              <a:t>跳转</a:t>
+            </a:r>
+            <a:r>
+              <a:rPr lang="zh-CN" altLang="en-US" dirty="0" smtClean="0"/>
+              <a:t>到合约监控面板</a:t>
+            </a:r>
+            <a:r>
+              <a:rPr lang="en-US" altLang="zh-CN" dirty="0" smtClean="0"/>
+              <a:t> </a:t>
+            </a:r>
+          </a:p>
+          <a:p>
+            <a:endParaRPr lang="zh-CN" altLang="en-US" dirty="0"/>
+          </a:p>
+        </p:txBody>
+      </p:sp>
+      <p:sp>
+        <p:nvSpPr>
+          <p:cNvPr id="6" name="文本框 5"/>
+          <p:cNvSpPr txBox="1"/>
+          <p:nvPr/>
+        </p:nvSpPr>
+        <p:spPr>
+          <a:xfrm>
+            <a:off x="359229" y="163286"/>
+            <a:ext cx="1107996" cy="369332"/>
+          </a:xfrm>
+          <a:prstGeom prst="rect">
+            <a:avLst/>
+          </a:prstGeom>
+          <a:noFill/>
+        </p:spPr>
+        <p:txBody>
+          <a:bodyPr wrap="none" rtlCol="0">
+            <a:spAutoFit/>
+          </a:bodyPr>
+          <a:lstStyle/>
+          <a:p>
+            <a:r>
+              <a:rPr lang="zh-CN" altLang="en-US" dirty="0" smtClean="0"/>
+              <a:t>创建合约</a:t>
+            </a:r>
+            <a:endParaRPr lang="zh-CN" altLang="en-US" dirty="0"/>
+          </a:p>
+        </p:txBody>
+      </p:sp>
+    </p:spTree>
+    <p:extLst>
+      <p:ext uri="{BB962C8B-B14F-4D97-AF65-F5344CB8AC3E}">
+        <p14:creationId xmlns:p14="http://schemas.microsoft.com/office/powerpoint/2010/main" val="1290478195"/>
+      </p:ext>
+    </p:extLst>
+  </p:cSld>
+  <p:clrMapOvr>
+    <a:masterClrMapping/>
+  </p:clrMapOvr>
+</p:sld>
+</file>
+
+<file path=ppt/slides/slide15.xml><?xml version="1.0" encoding="utf-8"?>
+<p:sld xmlns:a="http://schemas.openxmlformats.org/drawingml/2006/main" xmlns:r="http://schemas.openxmlformats.org/officeDocument/2006/relationships" xmlns:p="http://schemas.openxmlformats.org/presentationml/2006/main">
+  <p:cSld>
+    <p:spTree>
+      <p:nvGrpSpPr>
+        <p:cNvPr id="1" name=""/>
+        <p:cNvGrpSpPr/>
+        <p:nvPr/>
+      </p:nvGrpSpPr>
+      <p:grpSpPr>
+        <a:xfrm>
+          <a:off x="0" y="0"/>
+          <a:ext cx="0" cy="0"/>
+          <a:chOff x="0" y="0"/>
+          <a:chExt cx="0" cy="0"/>
+        </a:xfrm>
+      </p:grpSpPr>
+      <p:sp>
+        <p:nvSpPr>
+          <p:cNvPr id="4" name="文本框 3"/>
+          <p:cNvSpPr txBox="1"/>
+          <p:nvPr/>
+        </p:nvSpPr>
+        <p:spPr>
+          <a:xfrm>
+            <a:off x="685800" y="947057"/>
+            <a:ext cx="8550739" cy="3139321"/>
+          </a:xfrm>
+          <a:prstGeom prst="rect">
+            <a:avLst/>
+          </a:prstGeom>
+          <a:noFill/>
+        </p:spPr>
+        <p:txBody>
+          <a:bodyPr wrap="none" rtlCol="0">
+            <a:spAutoFit/>
+          </a:bodyPr>
+          <a:lstStyle/>
+          <a:p>
+            <a:r>
+              <a:rPr lang="zh-CN" altLang="en-US" dirty="0" smtClean="0"/>
+              <a:t>用户</a:t>
+            </a:r>
+            <a:r>
+              <a:rPr lang="en-US" altLang="zh-CN" dirty="0" err="1" smtClean="0"/>
+              <a:t>NFT</a:t>
+            </a:r>
+            <a:r>
+              <a:rPr lang="zh-CN" altLang="en-US" dirty="0" smtClean="0"/>
+              <a:t>跨链流程（从</a:t>
+            </a:r>
+            <a:r>
+              <a:rPr lang="en-US" altLang="zh-CN" dirty="0" smtClean="0"/>
+              <a:t>BSC</a:t>
+            </a:r>
+            <a:r>
+              <a:rPr lang="zh-CN" altLang="en-US" dirty="0" smtClean="0"/>
+              <a:t>链的</a:t>
+            </a:r>
+            <a:r>
+              <a:rPr lang="en-US" altLang="zh-CN" dirty="0" smtClean="0"/>
+              <a:t>x</a:t>
+            </a:r>
+            <a:r>
+              <a:rPr lang="zh-CN" altLang="en-US" dirty="0" smtClean="0"/>
+              <a:t>合约，跨链到</a:t>
+            </a:r>
+            <a:r>
+              <a:rPr lang="en-US" altLang="zh-CN" dirty="0"/>
+              <a:t>ETH</a:t>
+            </a:r>
+            <a:r>
+              <a:rPr lang="zh-CN" altLang="en-US" dirty="0" smtClean="0"/>
+              <a:t>链的</a:t>
+            </a:r>
+            <a:r>
+              <a:rPr lang="en-US" altLang="zh-CN" dirty="0" smtClean="0"/>
+              <a:t>y</a:t>
+            </a:r>
+            <a:r>
+              <a:rPr lang="zh-CN" altLang="en-US" dirty="0" smtClean="0"/>
+              <a:t>合约）</a:t>
+            </a:r>
+            <a:endParaRPr lang="en-US" altLang="zh-CN" dirty="0" smtClean="0"/>
+          </a:p>
+          <a:p>
+            <a:r>
+              <a:rPr lang="en-US" altLang="zh-CN" dirty="0"/>
+              <a:t>	</a:t>
+            </a:r>
+            <a:r>
+              <a:rPr lang="en-US" altLang="zh-CN" dirty="0" smtClean="0"/>
+              <a:t>1. </a:t>
+            </a:r>
+            <a:r>
+              <a:rPr lang="zh-CN" altLang="en-US" dirty="0" smtClean="0"/>
+              <a:t>用户在</a:t>
+            </a:r>
+            <a:r>
+              <a:rPr lang="en-US" altLang="zh-CN" dirty="0"/>
+              <a:t>BSC</a:t>
+            </a:r>
+            <a:r>
+              <a:rPr lang="zh-CN" altLang="en-US" dirty="0" smtClean="0"/>
+              <a:t>链的</a:t>
+            </a:r>
+            <a:r>
+              <a:rPr lang="en-US" altLang="zh-CN" dirty="0" smtClean="0"/>
+              <a:t>X</a:t>
+            </a:r>
+            <a:r>
+              <a:rPr lang="zh-CN" altLang="en-US" dirty="0" smtClean="0"/>
+              <a:t>合约中有一枚</a:t>
+            </a:r>
+            <a:r>
+              <a:rPr lang="en-US" altLang="zh-CN" dirty="0" err="1" smtClean="0"/>
+              <a:t>NFT</a:t>
+            </a:r>
+            <a:endParaRPr lang="en-US" altLang="zh-CN" dirty="0"/>
+          </a:p>
+          <a:p>
+            <a:r>
+              <a:rPr lang="en-US" altLang="zh-CN" dirty="0" smtClean="0"/>
+              <a:t>	2. </a:t>
+            </a:r>
+            <a:r>
+              <a:rPr lang="zh-CN" altLang="en-US" dirty="0" smtClean="0"/>
+              <a:t>调用</a:t>
+            </a:r>
+            <a:r>
+              <a:rPr lang="en-US" altLang="zh-CN" dirty="0" err="1" smtClean="0"/>
+              <a:t>BurnAnd</a:t>
+            </a:r>
+            <a:r>
+              <a:rPr lang="en-US" altLang="zh-CN" dirty="0" err="1" smtClean="0"/>
+              <a:t>Cross</a:t>
+            </a:r>
+            <a:r>
+              <a:rPr lang="zh-CN" altLang="en-US" dirty="0" smtClean="0"/>
+              <a:t>函数冻结该</a:t>
+            </a:r>
+            <a:r>
+              <a:rPr lang="en-US" altLang="zh-CN" dirty="0" err="1" smtClean="0"/>
+              <a:t>NFT</a:t>
+            </a:r>
+            <a:r>
+              <a:rPr lang="zh-CN" altLang="en-US" dirty="0" smtClean="0"/>
+              <a:t>，并发出</a:t>
+            </a:r>
+            <a:r>
+              <a:rPr lang="en-US" altLang="zh-CN" dirty="0" smtClean="0"/>
+              <a:t>event</a:t>
+            </a:r>
+          </a:p>
+          <a:p>
+            <a:r>
+              <a:rPr lang="en-US" altLang="zh-CN" dirty="0"/>
+              <a:t>	</a:t>
+            </a:r>
+            <a:r>
+              <a:rPr lang="en-US" altLang="zh-CN" dirty="0" smtClean="0"/>
+              <a:t>    </a:t>
+            </a:r>
+            <a:r>
+              <a:rPr lang="zh-CN" altLang="en-US" dirty="0" smtClean="0"/>
+              <a:t>该</a:t>
+            </a:r>
+            <a:r>
+              <a:rPr lang="en-US" altLang="zh-CN" dirty="0" smtClean="0"/>
+              <a:t>event </a:t>
+            </a:r>
+            <a:r>
+              <a:rPr lang="zh-CN" altLang="en-US" dirty="0" smtClean="0"/>
+              <a:t>包含 </a:t>
+            </a:r>
+            <a:r>
+              <a:rPr lang="en-US" altLang="zh-CN" dirty="0" smtClean="0"/>
+              <a:t>{ </a:t>
+            </a:r>
+            <a:r>
+              <a:rPr lang="en-US" altLang="zh-CN" dirty="0" err="1" smtClean="0"/>
+              <a:t>NFT</a:t>
+            </a:r>
+            <a:r>
+              <a:rPr lang="en-US" altLang="zh-CN" dirty="0" smtClean="0"/>
+              <a:t> ID</a:t>
+            </a:r>
+            <a:r>
+              <a:rPr lang="zh-CN" altLang="en-US" dirty="0" smtClean="0"/>
+              <a:t>，目标链</a:t>
+            </a:r>
+            <a:r>
+              <a:rPr lang="en-US" altLang="zh-CN" dirty="0" smtClean="0"/>
+              <a:t>ID</a:t>
+            </a:r>
+            <a:r>
+              <a:rPr lang="zh-CN" altLang="en-US" dirty="0" smtClean="0"/>
+              <a:t>，目标链接收地址</a:t>
+            </a:r>
+            <a:r>
+              <a:rPr lang="en-US" altLang="zh-CN" dirty="0" smtClean="0"/>
+              <a:t> }</a:t>
+            </a:r>
+          </a:p>
+          <a:p>
+            <a:r>
+              <a:rPr lang="en-US" altLang="zh-CN" dirty="0"/>
+              <a:t>	</a:t>
+            </a:r>
+            <a:r>
+              <a:rPr lang="en-US" altLang="zh-CN" dirty="0" smtClean="0"/>
+              <a:t>3. </a:t>
+            </a:r>
+            <a:r>
+              <a:rPr lang="zh-CN" altLang="en-US" dirty="0"/>
+              <a:t>微</a:t>
+            </a:r>
+            <a:r>
+              <a:rPr lang="zh-CN" altLang="en-US" dirty="0" smtClean="0"/>
+              <a:t>服务中的</a:t>
+            </a:r>
+            <a:r>
+              <a:rPr lang="en-US" altLang="zh-CN" dirty="0" err="1" smtClean="0"/>
+              <a:t>TheGraph</a:t>
+            </a:r>
+            <a:r>
+              <a:rPr lang="zh-CN" altLang="en-US" dirty="0" smtClean="0"/>
+              <a:t>监听到这个事件，去区块链上核对，记录到数据库</a:t>
+            </a:r>
+            <a:endParaRPr lang="en-US" altLang="zh-CN" dirty="0" smtClean="0"/>
+          </a:p>
+          <a:p>
+            <a:r>
+              <a:rPr lang="en-US" altLang="zh-CN" dirty="0"/>
+              <a:t>	</a:t>
+            </a:r>
+            <a:r>
+              <a:rPr lang="en-US" altLang="zh-CN" dirty="0" smtClean="0"/>
+              <a:t>4. </a:t>
+            </a:r>
+            <a:r>
+              <a:rPr lang="zh-CN" altLang="en-US" dirty="0"/>
+              <a:t>微</a:t>
+            </a:r>
+            <a:r>
+              <a:rPr lang="zh-CN" altLang="en-US" dirty="0" smtClean="0"/>
+              <a:t>服务对</a:t>
+            </a:r>
+            <a:r>
+              <a:rPr lang="en-US" altLang="zh-CN" dirty="0" smtClean="0"/>
+              <a:t>Event</a:t>
+            </a:r>
+            <a:r>
+              <a:rPr lang="zh-CN" altLang="en-US" dirty="0" smtClean="0"/>
+              <a:t>内容生成一条 </a:t>
+            </a:r>
+            <a:r>
+              <a:rPr lang="en-US" altLang="zh-CN" dirty="0" smtClean="0"/>
+              <a:t>sign</a:t>
+            </a:r>
+            <a:r>
+              <a:rPr lang="zh-CN" altLang="en-US" dirty="0" smtClean="0"/>
+              <a:t>（</a:t>
+            </a:r>
+            <a:r>
+              <a:rPr lang="en-US" altLang="zh-CN" dirty="0" smtClean="0"/>
+              <a:t>event</a:t>
+            </a:r>
+            <a:r>
+              <a:rPr lang="zh-CN" altLang="en-US" dirty="0" smtClean="0"/>
+              <a:t>）作为凭证</a:t>
+            </a:r>
+            <a:endParaRPr lang="en-US" altLang="zh-CN" dirty="0" smtClean="0"/>
+          </a:p>
+          <a:p>
+            <a:r>
+              <a:rPr lang="en-US" altLang="zh-CN" dirty="0"/>
+              <a:t>	</a:t>
+            </a:r>
+            <a:r>
+              <a:rPr lang="en-US" altLang="zh-CN" dirty="0" smtClean="0"/>
+              <a:t>5. </a:t>
+            </a:r>
+            <a:r>
+              <a:rPr lang="zh-CN" altLang="en-US" dirty="0" smtClean="0"/>
+              <a:t>用户在网站上获得凭证，</a:t>
+            </a:r>
+            <a:endParaRPr lang="en-US" altLang="zh-CN" dirty="0" smtClean="0"/>
+          </a:p>
+          <a:p>
+            <a:r>
+              <a:rPr lang="en-US" altLang="zh-CN" dirty="0"/>
+              <a:t>	</a:t>
+            </a:r>
+            <a:r>
+              <a:rPr lang="en-US" altLang="zh-CN" dirty="0" smtClean="0"/>
+              <a:t>6. </a:t>
+            </a:r>
+            <a:r>
+              <a:rPr lang="zh-CN" altLang="en-US" dirty="0" smtClean="0"/>
+              <a:t>用户再以目标钱包调用</a:t>
+            </a:r>
+            <a:r>
+              <a:rPr lang="en-US" altLang="zh-CN" dirty="0" smtClean="0"/>
+              <a:t>ETH</a:t>
+            </a:r>
+            <a:r>
+              <a:rPr lang="zh-CN" altLang="en-US" dirty="0" smtClean="0"/>
+              <a:t>链的</a:t>
+            </a:r>
+            <a:r>
+              <a:rPr lang="en-US" altLang="zh-CN" dirty="0" smtClean="0"/>
+              <a:t>y</a:t>
+            </a:r>
+            <a:r>
+              <a:rPr lang="zh-CN" altLang="en-US" dirty="0" smtClean="0"/>
+              <a:t>合约</a:t>
+            </a:r>
+            <a:r>
+              <a:rPr lang="en-US" altLang="zh-CN" dirty="0" err="1" smtClean="0"/>
+              <a:t>MintByCross</a:t>
+            </a:r>
+            <a:r>
+              <a:rPr lang="en-US" altLang="zh-CN" dirty="0" smtClean="0"/>
+              <a:t>()</a:t>
+            </a:r>
+          </a:p>
+          <a:p>
+            <a:r>
+              <a:rPr lang="en-US" altLang="zh-CN" dirty="0"/>
+              <a:t>	</a:t>
+            </a:r>
+            <a:r>
+              <a:rPr lang="en-US" altLang="zh-CN" dirty="0" smtClean="0"/>
+              <a:t>7. </a:t>
+            </a:r>
+            <a:r>
+              <a:rPr lang="zh-CN" altLang="en-US" dirty="0" smtClean="0"/>
+              <a:t>函数首先验证微服务的签名是否有效，最后铸造跨链过来的这枚</a:t>
+            </a:r>
+            <a:r>
+              <a:rPr lang="en-US" altLang="zh-CN" dirty="0" err="1" smtClean="0"/>
+              <a:t>NFT</a:t>
+            </a:r>
+            <a:r>
+              <a:rPr lang="zh-CN" altLang="en-US" dirty="0" smtClean="0"/>
+              <a:t>，</a:t>
+            </a:r>
+            <a:endParaRPr lang="en-US" altLang="zh-CN" dirty="0" smtClean="0"/>
+          </a:p>
+          <a:p>
+            <a:r>
+              <a:rPr lang="en-US" altLang="zh-CN" dirty="0"/>
+              <a:t>	</a:t>
+            </a:r>
+            <a:r>
+              <a:rPr lang="en-US" altLang="zh-CN" dirty="0" smtClean="0"/>
+              <a:t>8. </a:t>
+            </a:r>
+            <a:r>
+              <a:rPr lang="zh-CN" altLang="en-US" dirty="0" smtClean="0"/>
+              <a:t>用户获得了一枚</a:t>
+            </a:r>
+            <a:r>
+              <a:rPr lang="en-US" altLang="zh-CN" dirty="0" smtClean="0"/>
+              <a:t>ETH</a:t>
+            </a:r>
+            <a:r>
+              <a:rPr lang="zh-CN" altLang="en-US" dirty="0" smtClean="0"/>
+              <a:t>上的</a:t>
+            </a:r>
+            <a:r>
+              <a:rPr lang="en-US" altLang="zh-CN" dirty="0" err="1" smtClean="0"/>
+              <a:t>NFT</a:t>
+            </a:r>
+            <a:endParaRPr lang="en-US" altLang="zh-CN" dirty="0" smtClean="0"/>
+          </a:p>
+          <a:p>
+            <a:r>
+              <a:rPr lang="en-US" altLang="zh-CN" dirty="0"/>
+              <a:t>	</a:t>
+            </a:r>
+            <a:endParaRPr lang="zh-CN" altLang="en-US" dirty="0"/>
+          </a:p>
+        </p:txBody>
+      </p:sp>
+    </p:spTree>
+    <p:extLst>
+      <p:ext uri="{BB962C8B-B14F-4D97-AF65-F5344CB8AC3E}">
+        <p14:creationId xmlns:p14="http://schemas.microsoft.com/office/powerpoint/2010/main" val="211906838"/>
+      </p:ext>
+    </p:extLst>
+  </p:cSld>
+  <p:clrMapOvr>
+    <a:masterClrMapping/>
+  </p:clrMapOvr>
+</p:sld>
+</file>
+
+<file path=ppt/slides/slide16.xml><?xml version="1.0" encoding="utf-8"?>
 <p:sld xmlns:a="http://schemas.openxmlformats.org/drawingml/2006/main" xmlns:r="http://schemas.openxmlformats.org/officeDocument/2006/relationships" xmlns:p="http://schemas.openxmlformats.org/presentationml/2006/main">
   <p:cSld>
     <p:spTree>
@@ -9407,6 +10787,14 @@
           <a:bodyPr/>
           <a:lstStyle/>
           <a:p>
+            <a:r>
+              <a:rPr lang="en-US" altLang="zh-CN" dirty="0" smtClean="0"/>
+              <a:t>ERC721Cross </a:t>
+            </a:r>
+            <a:r>
+              <a:rPr lang="zh-CN" altLang="en-US" dirty="0" smtClean="0"/>
+              <a:t>协议</a:t>
+            </a:r>
             <a:endParaRPr lang="zh-CN" altLang="en-US" dirty="0"/>
           </a:p>
         </p:txBody>
@@ -9426,6 +10814,27 @@
           <a:bodyPr/>
           <a:lstStyle/>
           <a:p>
+            <a:r>
+              <a:rPr lang="zh-CN" altLang="en-US" dirty="0" smtClean="0"/>
+              <a:t>提 </a:t>
+            </a:r>
+            <a:r>
+              <a:rPr lang="en-US" altLang="zh-CN" dirty="0" smtClean="0"/>
+              <a:t>EIP4337 </a:t>
+            </a:r>
+            <a:r>
+              <a:rPr lang="zh-CN" altLang="en-US" dirty="0" smtClean="0"/>
+              <a:t>协议。</a:t>
+            </a:r>
+            <a:endParaRPr lang="en-US" altLang="zh-CN" smtClean="0"/>
+          </a:p>
+          <a:p>
+            <a:endParaRPr lang="en-US" altLang="zh-CN" smtClean="0"/>
+          </a:p>
+          <a:p>
+            <a:pPr marL="0" indent="0">
+              <a:buNone/>
+            </a:pPr>
             <a:endParaRPr lang="zh-CN" altLang="en-US" dirty="0"/>
           </a:p>
         </p:txBody>
@@ -9433,7 +10842,7 @@
     </p:spTree>
     <p:extLst>
       <p:ext uri="{BB962C8B-B14F-4D97-AF65-F5344CB8AC3E}">
-        <p14:creationId xmlns:p14="http://schemas.microsoft.com/office/powerpoint/2010/main" val="2512931078"/>
+        <p14:creationId xmlns:p14="http://schemas.microsoft.com/office/powerpoint/2010/main" val="2752868321"/>
       </p:ext>
     </p:extLst>
   </p:cSld>

--- a/doc/Idea.pptx
+++ b/doc/Idea.pptx
@@ -5,7 +5,7 @@
     <p:sldMasterId id="2147483648" r:id="rId1"/>
   </p:sldMasterIdLst>
   <p:notesMasterIdLst>
-    <p:notesMasterId r:id="rId18"/>
+    <p:notesMasterId r:id="rId19"/>
   </p:notesMasterIdLst>
   <p:sldIdLst>
     <p:sldId id="256" r:id="rId2"/>
@@ -17,13 +17,14 @@
     <p:sldId id="262" r:id="rId8"/>
     <p:sldId id="263" r:id="rId9"/>
     <p:sldId id="264" r:id="rId10"/>
-    <p:sldId id="265" r:id="rId11"/>
-    <p:sldId id="267" r:id="rId12"/>
-    <p:sldId id="266" r:id="rId13"/>
-    <p:sldId id="268" r:id="rId14"/>
-    <p:sldId id="269" r:id="rId15"/>
-    <p:sldId id="270" r:id="rId16"/>
-    <p:sldId id="271" r:id="rId17"/>
+    <p:sldId id="272" r:id="rId11"/>
+    <p:sldId id="265" r:id="rId12"/>
+    <p:sldId id="267" r:id="rId13"/>
+    <p:sldId id="266" r:id="rId14"/>
+    <p:sldId id="268" r:id="rId15"/>
+    <p:sldId id="269" r:id="rId16"/>
+    <p:sldId id="270" r:id="rId17"/>
+    <p:sldId id="271" r:id="rId18"/>
   </p:sldIdLst>
   <p:sldSz cx="12192000" cy="6858000"/>
   <p:notesSz cx="6858000" cy="9144000"/>
@@ -5923,7 +5924,7 @@
           <a:p>
             <a:fld id="{69C0BAC2-EE56-4923-8DE4-10D21D000425}" type="datetimeFigureOut">
               <a:rPr lang="zh-CN" altLang="en-US" smtClean="0"/>
-              <a:t>2022/12/11</a:t>
+              <a:t>2022/12/16</a:t>
             </a:fld>
             <a:endParaRPr lang="zh-CN" altLang="en-US"/>
           </a:p>
@@ -6406,7 +6407,7 @@
           <a:p>
             <a:fld id="{70F1CFF3-7958-41A3-94F3-9398BAFCBC9A}" type="datetimeFigureOut">
               <a:rPr lang="zh-CN" altLang="en-US" smtClean="0"/>
-              <a:t>2022/12/11</a:t>
+              <a:t>2022/12/16</a:t>
             </a:fld>
             <a:endParaRPr lang="zh-CN" altLang="en-US"/>
           </a:p>
@@ -6576,7 +6577,7 @@
           <a:p>
             <a:fld id="{70F1CFF3-7958-41A3-94F3-9398BAFCBC9A}" type="datetimeFigureOut">
               <a:rPr lang="zh-CN" altLang="en-US" smtClean="0"/>
-              <a:t>2022/12/11</a:t>
+              <a:t>2022/12/16</a:t>
             </a:fld>
             <a:endParaRPr lang="zh-CN" altLang="en-US"/>
           </a:p>
@@ -6756,7 +6757,7 @@
           <a:p>
             <a:fld id="{70F1CFF3-7958-41A3-94F3-9398BAFCBC9A}" type="datetimeFigureOut">
               <a:rPr lang="zh-CN" altLang="en-US" smtClean="0"/>
-              <a:t>2022/12/11</a:t>
+              <a:t>2022/12/16</a:t>
             </a:fld>
             <a:endParaRPr lang="zh-CN" altLang="en-US"/>
           </a:p>
@@ -6926,7 +6927,7 @@
           <a:p>
             <a:fld id="{70F1CFF3-7958-41A3-94F3-9398BAFCBC9A}" type="datetimeFigureOut">
               <a:rPr lang="zh-CN" altLang="en-US" smtClean="0"/>
-              <a:t>2022/12/11</a:t>
+              <a:t>2022/12/16</a:t>
             </a:fld>
             <a:endParaRPr lang="zh-CN" altLang="en-US"/>
           </a:p>
@@ -7172,7 +7173,7 @@
           <a:p>
             <a:fld id="{70F1CFF3-7958-41A3-94F3-9398BAFCBC9A}" type="datetimeFigureOut">
               <a:rPr lang="zh-CN" altLang="en-US" smtClean="0"/>
-              <a:t>2022/12/11</a:t>
+              <a:t>2022/12/16</a:t>
             </a:fld>
             <a:endParaRPr lang="zh-CN" altLang="en-US"/>
           </a:p>
@@ -7404,7 +7405,7 @@
           <a:p>
             <a:fld id="{70F1CFF3-7958-41A3-94F3-9398BAFCBC9A}" type="datetimeFigureOut">
               <a:rPr lang="zh-CN" altLang="en-US" smtClean="0"/>
-              <a:t>2022/12/11</a:t>
+              <a:t>2022/12/16</a:t>
             </a:fld>
             <a:endParaRPr lang="zh-CN" altLang="en-US"/>
           </a:p>
@@ -7771,7 +7772,7 @@
           <a:p>
             <a:fld id="{70F1CFF3-7958-41A3-94F3-9398BAFCBC9A}" type="datetimeFigureOut">
               <a:rPr lang="zh-CN" altLang="en-US" smtClean="0"/>
-              <a:t>2022/12/11</a:t>
+              <a:t>2022/12/16</a:t>
             </a:fld>
             <a:endParaRPr lang="zh-CN" altLang="en-US"/>
           </a:p>
@@ -7889,7 +7890,7 @@
           <a:p>
             <a:fld id="{70F1CFF3-7958-41A3-94F3-9398BAFCBC9A}" type="datetimeFigureOut">
               <a:rPr lang="zh-CN" altLang="en-US" smtClean="0"/>
-              <a:t>2022/12/11</a:t>
+              <a:t>2022/12/16</a:t>
             </a:fld>
             <a:endParaRPr lang="zh-CN" altLang="en-US"/>
           </a:p>
@@ -7984,7 +7985,7 @@
           <a:p>
             <a:fld id="{70F1CFF3-7958-41A3-94F3-9398BAFCBC9A}" type="datetimeFigureOut">
               <a:rPr lang="zh-CN" altLang="en-US" smtClean="0"/>
-              <a:t>2022/12/11</a:t>
+              <a:t>2022/12/16</a:t>
             </a:fld>
             <a:endParaRPr lang="zh-CN" altLang="en-US"/>
           </a:p>
@@ -8261,7 +8262,7 @@
           <a:p>
             <a:fld id="{70F1CFF3-7958-41A3-94F3-9398BAFCBC9A}" type="datetimeFigureOut">
               <a:rPr lang="zh-CN" altLang="en-US" smtClean="0"/>
-              <a:t>2022/12/11</a:t>
+              <a:t>2022/12/16</a:t>
             </a:fld>
             <a:endParaRPr lang="zh-CN" altLang="en-US"/>
           </a:p>
@@ -8514,7 +8515,7 @@
           <a:p>
             <a:fld id="{70F1CFF3-7958-41A3-94F3-9398BAFCBC9A}" type="datetimeFigureOut">
               <a:rPr lang="zh-CN" altLang="en-US" smtClean="0"/>
-              <a:t>2022/12/11</a:t>
+              <a:t>2022/12/16</a:t>
             </a:fld>
             <a:endParaRPr lang="zh-CN" altLang="en-US"/>
           </a:p>
@@ -8727,7 +8728,7 @@
           <a:p>
             <a:fld id="{70F1CFF3-7958-41A3-94F3-9398BAFCBC9A}" type="datetimeFigureOut">
               <a:rPr lang="zh-CN" altLang="en-US" smtClean="0"/>
-              <a:t>2022/12/11</a:t>
+              <a:t>2022/12/16</a:t>
             </a:fld>
             <a:endParaRPr lang="zh-CN" altLang="en-US"/>
           </a:p>
@@ -9228,6 +9229,150 @@
         </p:nvSpPr>
         <p:spPr/>
         <p:txBody>
+          <a:bodyPr/>
+          <a:lstStyle/>
+          <a:p>
+            <a:r>
+              <a:rPr lang="zh-CN" altLang="en-US" dirty="0" smtClean="0"/>
+              <a:t>小巧精致白名单管理工具</a:t>
+            </a:r>
+            <a:endParaRPr lang="zh-CN" altLang="en-US" dirty="0"/>
+          </a:p>
+        </p:txBody>
+      </p:sp>
+      <p:sp>
+        <p:nvSpPr>
+          <p:cNvPr id="3" name="内容占位符 2"/>
+          <p:cNvSpPr>
+            <a:spLocks noGrp="1"/>
+          </p:cNvSpPr>
+          <p:nvPr>
+            <p:ph idx="1"/>
+          </p:nvPr>
+        </p:nvSpPr>
+        <p:spPr/>
+        <p:txBody>
+          <a:bodyPr/>
+          <a:lstStyle/>
+          <a:p>
+            <a:r>
+              <a:rPr lang="zh-CN" altLang="en-US" dirty="0" smtClean="0"/>
+              <a:t>白名单管理：</a:t>
+            </a:r>
+            <a:endParaRPr lang="en-US" altLang="zh-CN" dirty="0" smtClean="0"/>
+          </a:p>
+          <a:p>
+            <a:pPr lvl="1"/>
+            <a:r>
+              <a:rPr lang="zh-CN" altLang="en-US" dirty="0" smtClean="0"/>
+              <a:t>用户奖励：用户做完任务，提交评审（自动审核），给与白名单奖励。</a:t>
+            </a:r>
+            <a:endParaRPr lang="en-US" altLang="zh-CN" dirty="0" smtClean="0"/>
+          </a:p>
+          <a:p>
+            <a:pPr lvl="1"/>
+            <a:r>
+              <a:rPr lang="zh-CN" altLang="en-US" dirty="0" smtClean="0"/>
+              <a:t>随机空投：智能选择具有某种特征的链上地址进行空投</a:t>
+            </a:r>
+            <a:endParaRPr lang="en-US" altLang="zh-CN" dirty="0" smtClean="0"/>
+          </a:p>
+          <a:p>
+            <a:pPr lvl="1"/>
+            <a:r>
+              <a:rPr lang="zh-CN" altLang="en-US" dirty="0"/>
+              <a:t>链</a:t>
+            </a:r>
+            <a:r>
+              <a:rPr lang="zh-CN" altLang="en-US" dirty="0" smtClean="0"/>
+              <a:t>上授权：用户调用</a:t>
+            </a:r>
+            <a:r>
+              <a:rPr lang="en-US" altLang="zh-CN" dirty="0" smtClean="0"/>
+              <a:t>API</a:t>
+            </a:r>
+            <a:r>
+              <a:rPr lang="zh-CN" altLang="en-US" dirty="0" smtClean="0"/>
+              <a:t>，评审后，签名。链上验签。</a:t>
+            </a:r>
+            <a:endParaRPr lang="en-US" altLang="zh-CN" dirty="0" smtClean="0"/>
+          </a:p>
+          <a:p>
+            <a:pPr lvl="1"/>
+            <a:r>
+              <a:rPr lang="zh-CN" altLang="en-US" dirty="0" smtClean="0"/>
+              <a:t>状态管理：查看各个白名单用户的申请状态，认购状态</a:t>
+            </a:r>
+            <a:endParaRPr lang="en-US" altLang="zh-CN" dirty="0" smtClean="0"/>
+          </a:p>
+          <a:p>
+            <a:pPr lvl="1"/>
+            <a:r>
+              <a:rPr lang="zh-CN" altLang="en-US" dirty="0" smtClean="0"/>
+              <a:t>数据统计：时间分布，</a:t>
+            </a:r>
+            <a:r>
+              <a:rPr lang="en-US" altLang="zh-CN" dirty="0" smtClean="0"/>
+              <a:t>gas</a:t>
+            </a:r>
+            <a:r>
+              <a:rPr lang="zh-CN" altLang="en-US" dirty="0" smtClean="0"/>
+              <a:t>分布，用户群体特征</a:t>
+            </a:r>
+            <a:endParaRPr lang="en-US" altLang="zh-CN" dirty="0" smtClean="0"/>
+          </a:p>
+          <a:p>
+            <a:pPr lvl="1"/>
+            <a:r>
+              <a:rPr lang="zh-CN" altLang="en-US" dirty="0" smtClean="0"/>
+              <a:t>用户面板：用户拥有的白名单项目查看，申请状态，链上认购状态</a:t>
+            </a:r>
+            <a:endParaRPr lang="zh-CN" altLang="en-US" dirty="0"/>
+          </a:p>
+        </p:txBody>
+      </p:sp>
+    </p:spTree>
+    <p:extLst>
+      <p:ext uri="{BB962C8B-B14F-4D97-AF65-F5344CB8AC3E}">
+        <p14:creationId xmlns:p14="http://schemas.microsoft.com/office/powerpoint/2010/main" val="1696921267"/>
+      </p:ext>
+    </p:extLst>
+  </p:cSld>
+  <p:clrMapOvr>
+    <a:masterClrMapping/>
+  </p:clrMapOvr>
+</p:sld>
+</file>
+
+<file path=ppt/slides/slide11.xml><?xml version="1.0" encoding="utf-8"?>
+<p:sld xmlns:a="http://schemas.openxmlformats.org/drawingml/2006/main" xmlns:r="http://schemas.openxmlformats.org/officeDocument/2006/relationships" xmlns:p="http://schemas.openxmlformats.org/presentationml/2006/main">
+  <p:cSld>
+    <p:spTree>
+      <p:nvGrpSpPr>
+        <p:cNvPr id="1" name=""/>
+        <p:cNvGrpSpPr/>
+        <p:nvPr/>
+      </p:nvGrpSpPr>
+      <p:grpSpPr>
+        <a:xfrm>
+          <a:off x="0" y="0"/>
+          <a:ext cx="0" cy="0"/>
+          <a:chOff x="0" y="0"/>
+          <a:chExt cx="0" cy="0"/>
+        </a:xfrm>
+      </p:grpSpPr>
+      <p:sp>
+        <p:nvSpPr>
+          <p:cNvPr id="2" name="标题 1"/>
+          <p:cNvSpPr>
+            <a:spLocks noGrp="1"/>
+          </p:cNvSpPr>
+          <p:nvPr>
+            <p:ph type="title"/>
+          </p:nvPr>
+        </p:nvSpPr>
+        <p:spPr/>
+        <p:txBody>
           <a:bodyPr>
             <a:normAutofit/>
           </a:bodyPr>
@@ -9391,7 +9536,7 @@
 </p:sld>
 </file>
 
-<file path=ppt/slides/slide11.xml><?xml version="1.0" encoding="utf-8"?>
+<file path=ppt/slides/slide12.xml><?xml version="1.0" encoding="utf-8"?>
 <p:sld xmlns:a="http://schemas.openxmlformats.org/drawingml/2006/main" xmlns:r="http://schemas.openxmlformats.org/officeDocument/2006/relationships" xmlns:p="http://schemas.openxmlformats.org/presentationml/2006/main">
   <p:cSld>
     <p:spTree>
@@ -9654,7 +9799,7 @@
 </p:sld>
 </file>
 
-<file path=ppt/slides/slide12.xml><?xml version="1.0" encoding="utf-8"?>
+<file path=ppt/slides/slide13.xml><?xml version="1.0" encoding="utf-8"?>
 <p:sld xmlns:a="http://schemas.openxmlformats.org/drawingml/2006/main" xmlns:r="http://schemas.openxmlformats.org/officeDocument/2006/relationships" xmlns:p="http://schemas.openxmlformats.org/presentationml/2006/main">
   <p:cSld>
     <p:spTree>
@@ -9942,7 +10087,7 @@
 </p:sld>
 </file>
 
-<file path=ppt/slides/slide13.xml><?xml version="1.0" encoding="utf-8"?>
+<file path=ppt/slides/slide14.xml><?xml version="1.0" encoding="utf-8"?>
 <p:sld xmlns:a="http://schemas.openxmlformats.org/drawingml/2006/main" xmlns:r="http://schemas.openxmlformats.org/officeDocument/2006/relationships" xmlns:p="http://schemas.openxmlformats.org/presentationml/2006/main">
   <p:cSld>
     <p:spTree>
@@ -10039,7 +10184,7 @@
 </p:sld>
 </file>
 
-<file path=ppt/slides/slide14.xml><?xml version="1.0" encoding="utf-8"?>
+<file path=ppt/slides/slide15.xml><?xml version="1.0" encoding="utf-8"?>
 <p:sld xmlns:a="http://schemas.openxmlformats.org/drawingml/2006/main" xmlns:r="http://schemas.openxmlformats.org/officeDocument/2006/relationships" xmlns:p="http://schemas.openxmlformats.org/presentationml/2006/main">
   <p:cSld>
     <p:spTree>
@@ -10356,7 +10501,7 @@
 </p:sld>
 </file>
 
-<file path=ppt/slides/slide15.xml><?xml version="1.0" encoding="utf-8"?>
+<file path=ppt/slides/slide16.xml><?xml version="1.0" encoding="utf-8"?>
 <p:sld xmlns:a="http://schemas.openxmlformats.org/drawingml/2006/main" xmlns:r="http://schemas.openxmlformats.org/officeDocument/2006/relationships" xmlns:p="http://schemas.openxmlformats.org/presentationml/2006/main">
   <p:cSld>
     <p:spTree>
@@ -10382,7 +10527,7 @@
         <p:spPr>
           <a:xfrm>
             <a:off x="685800" y="947057"/>
-            <a:ext cx="8550739" cy="3139321"/>
+            <a:ext cx="8550739" cy="3416320"/>
           </a:xfrm>
           <a:prstGeom prst="rect">
             <a:avLst/>
@@ -10487,11 +10632,7 @@
             </a:r>
             <a:r>
               <a:rPr lang="en-US" altLang="zh-CN" dirty="0" err="1" smtClean="0"/>
-              <a:t>BurnAnd</a:t>
-            </a:r>
-            <a:r>
-              <a:rPr lang="en-US" altLang="zh-CN" dirty="0" err="1" smtClean="0"/>
-              <a:t>Cross</a:t>
+              <a:t>BurnAndCross</a:t>
             </a:r>
             <a:r>
               <a:rPr lang="zh-CN" altLang="en-US" dirty="0" smtClean="0"/>
@@ -10738,10 +10879,43 @@
               <a:rPr lang="en-US" altLang="zh-CN" dirty="0"/>
               <a:t>	</a:t>
             </a:r>
+            <a:endParaRPr lang="en-US" altLang="zh-CN" dirty="0" smtClean="0"/>
+          </a:p>
+          <a:p>
             <a:endParaRPr lang="zh-CN" altLang="en-US" dirty="0"/>
           </a:p>
         </p:txBody>
       </p:sp>
+      <p:pic>
+        <p:nvPicPr>
+          <p:cNvPr id="2" name="图片 1"/>
+          <p:cNvPicPr>
+            <a:picLocks noChangeAspect="1"/>
+          </p:cNvPicPr>
+          <p:nvPr/>
+        </p:nvPicPr>
+        <p:blipFill>
+          <a:blip r:embed="rId2">
+            <a:extLst>
+              <a:ext uri="{28A0092B-C50C-407E-A947-70E740481C1C}">
+                <a14:useLocalDpi xmlns:a14="http://schemas.microsoft.com/office/drawing/2010/main" val="0"/>
+              </a:ext>
+            </a:extLst>
+          </a:blip>
+          <a:stretch>
+            <a:fillRect/>
+          </a:stretch>
+        </p:blipFill>
+        <p:spPr>
+          <a:xfrm>
+            <a:off x="1904093" y="3810908"/>
+            <a:ext cx="6489700" cy="5702300"/>
+          </a:xfrm>
+          <a:prstGeom prst="rect">
+            <a:avLst/>
+          </a:prstGeom>
+        </p:spPr>
+      </p:pic>
     </p:spTree>
     <p:extLst>
       <p:ext uri="{BB962C8B-B14F-4D97-AF65-F5344CB8AC3E}">
@@ -10755,7 +10929,7 @@
 </p:sld>
 </file>
 
-<file path=ppt/slides/slide16.xml><?xml version="1.0" encoding="utf-8"?>
+<file path=ppt/slides/slide17.xml><?xml version="1.0" encoding="utf-8"?>
 <p:sld xmlns:a="http://schemas.openxmlformats.org/drawingml/2006/main" xmlns:r="http://schemas.openxmlformats.org/officeDocument/2006/relationships" xmlns:p="http://schemas.openxmlformats.org/presentationml/2006/main">
   <p:cSld>
     <p:spTree>

--- a/doc/Idea.pptx
+++ b/doc/Idea.pptx
@@ -5924,7 +5924,7 @@
           <a:p>
             <a:fld id="{69C0BAC2-EE56-4923-8DE4-10D21D000425}" type="datetimeFigureOut">
               <a:rPr lang="zh-CN" altLang="en-US" smtClean="0"/>
-              <a:t>2022/12/16</a:t>
+              <a:t>2022/12/17</a:t>
             </a:fld>
             <a:endParaRPr lang="zh-CN" altLang="en-US"/>
           </a:p>
@@ -6407,7 +6407,7 @@
           <a:p>
             <a:fld id="{70F1CFF3-7958-41A3-94F3-9398BAFCBC9A}" type="datetimeFigureOut">
               <a:rPr lang="zh-CN" altLang="en-US" smtClean="0"/>
-              <a:t>2022/12/16</a:t>
+              <a:t>2022/12/17</a:t>
             </a:fld>
             <a:endParaRPr lang="zh-CN" altLang="en-US"/>
           </a:p>
@@ -6577,7 +6577,7 @@
           <a:p>
             <a:fld id="{70F1CFF3-7958-41A3-94F3-9398BAFCBC9A}" type="datetimeFigureOut">
               <a:rPr lang="zh-CN" altLang="en-US" smtClean="0"/>
-              <a:t>2022/12/16</a:t>
+              <a:t>2022/12/17</a:t>
             </a:fld>
             <a:endParaRPr lang="zh-CN" altLang="en-US"/>
           </a:p>
@@ -6757,7 +6757,7 @@
           <a:p>
             <a:fld id="{70F1CFF3-7958-41A3-94F3-9398BAFCBC9A}" type="datetimeFigureOut">
               <a:rPr lang="zh-CN" altLang="en-US" smtClean="0"/>
-              <a:t>2022/12/16</a:t>
+              <a:t>2022/12/17</a:t>
             </a:fld>
             <a:endParaRPr lang="zh-CN" altLang="en-US"/>
           </a:p>
@@ -6927,7 +6927,7 @@
           <a:p>
             <a:fld id="{70F1CFF3-7958-41A3-94F3-9398BAFCBC9A}" type="datetimeFigureOut">
               <a:rPr lang="zh-CN" altLang="en-US" smtClean="0"/>
-              <a:t>2022/12/16</a:t>
+              <a:t>2022/12/17</a:t>
             </a:fld>
             <a:endParaRPr lang="zh-CN" altLang="en-US"/>
           </a:p>
@@ -7173,7 +7173,7 @@
           <a:p>
             <a:fld id="{70F1CFF3-7958-41A3-94F3-9398BAFCBC9A}" type="datetimeFigureOut">
               <a:rPr lang="zh-CN" altLang="en-US" smtClean="0"/>
-              <a:t>2022/12/16</a:t>
+              <a:t>2022/12/17</a:t>
             </a:fld>
             <a:endParaRPr lang="zh-CN" altLang="en-US"/>
           </a:p>
@@ -7405,7 +7405,7 @@
           <a:p>
             <a:fld id="{70F1CFF3-7958-41A3-94F3-9398BAFCBC9A}" type="datetimeFigureOut">
               <a:rPr lang="zh-CN" altLang="en-US" smtClean="0"/>
-              <a:t>2022/12/16</a:t>
+              <a:t>2022/12/17</a:t>
             </a:fld>
             <a:endParaRPr lang="zh-CN" altLang="en-US"/>
           </a:p>
@@ -7772,7 +7772,7 @@
           <a:p>
             <a:fld id="{70F1CFF3-7958-41A3-94F3-9398BAFCBC9A}" type="datetimeFigureOut">
               <a:rPr lang="zh-CN" altLang="en-US" smtClean="0"/>
-              <a:t>2022/12/16</a:t>
+              <a:t>2022/12/17</a:t>
             </a:fld>
             <a:endParaRPr lang="zh-CN" altLang="en-US"/>
           </a:p>
@@ -7890,7 +7890,7 @@
           <a:p>
             <a:fld id="{70F1CFF3-7958-41A3-94F3-9398BAFCBC9A}" type="datetimeFigureOut">
               <a:rPr lang="zh-CN" altLang="en-US" smtClean="0"/>
-              <a:t>2022/12/16</a:t>
+              <a:t>2022/12/17</a:t>
             </a:fld>
             <a:endParaRPr lang="zh-CN" altLang="en-US"/>
           </a:p>
@@ -7985,7 +7985,7 @@
           <a:p>
             <a:fld id="{70F1CFF3-7958-41A3-94F3-9398BAFCBC9A}" type="datetimeFigureOut">
               <a:rPr lang="zh-CN" altLang="en-US" smtClean="0"/>
-              <a:t>2022/12/16</a:t>
+              <a:t>2022/12/17</a:t>
             </a:fld>
             <a:endParaRPr lang="zh-CN" altLang="en-US"/>
           </a:p>
@@ -8262,7 +8262,7 @@
           <a:p>
             <a:fld id="{70F1CFF3-7958-41A3-94F3-9398BAFCBC9A}" type="datetimeFigureOut">
               <a:rPr lang="zh-CN" altLang="en-US" smtClean="0"/>
-              <a:t>2022/12/16</a:t>
+              <a:t>2022/12/17</a:t>
             </a:fld>
             <a:endParaRPr lang="zh-CN" altLang="en-US"/>
           </a:p>
@@ -8515,7 +8515,7 @@
           <a:p>
             <a:fld id="{70F1CFF3-7958-41A3-94F3-9398BAFCBC9A}" type="datetimeFigureOut">
               <a:rPr lang="zh-CN" altLang="en-US" smtClean="0"/>
-              <a:t>2022/12/16</a:t>
+              <a:t>2022/12/17</a:t>
             </a:fld>
             <a:endParaRPr lang="zh-CN" altLang="en-US"/>
           </a:p>
@@ -8728,7 +8728,7 @@
           <a:p>
             <a:fld id="{70F1CFF3-7958-41A3-94F3-9398BAFCBC9A}" type="datetimeFigureOut">
               <a:rPr lang="zh-CN" altLang="en-US" smtClean="0"/>
-              <a:t>2022/12/16</a:t>
+              <a:t>2022/12/17</a:t>
             </a:fld>
             <a:endParaRPr lang="zh-CN" altLang="en-US"/>
           </a:p>
@@ -10908,7 +10908,7 @@
         </p:blipFill>
         <p:spPr>
           <a:xfrm>
-            <a:off x="1904093" y="3810908"/>
+            <a:off x="5210628" y="3753758"/>
             <a:ext cx="6489700" cy="5702300"/>
           </a:xfrm>
           <a:prstGeom prst="rect">
